--- a/Lectures/4 Exploration.pptx
+++ b/Lectures/4 Exploration.pptx
@@ -255,7 +255,7 @@
           <a:p>
             <a:fld id="{D3AAB66F-B1B7-D045-B4E8-4F60236F228D}" type="datetimeFigureOut">
               <a:rPr lang="en-US" smtClean="0"/>
-              <a:t>1/21/16</a:t>
+              <a:t>2/8/16</a:t>
             </a:fld>
             <a:endParaRPr lang="en-US"/>
           </a:p>
@@ -421,7 +421,7 @@
           <a:p>
             <a:fld id="{BCCF8E76-06A6-164E-A6FA-EC32C13EB232}" type="datetimeFigureOut">
               <a:rPr lang="en-US" smtClean="0"/>
-              <a:t>1/21/16</a:t>
+              <a:t>2/8/16</a:t>
             </a:fld>
             <a:endParaRPr lang="en-US"/>
           </a:p>
@@ -4679,7 +4679,7 @@
             <a:fld id="{FA3C144B-2939-9A49-B014-915EC3E81866}" type="datetime1">
               <a:rPr lang="en-US" smtClean="0"/>
               <a:pPr/>
-              <a:t>1/21/16</a:t>
+              <a:t>2/8/16</a:t>
             </a:fld>
             <a:endParaRPr lang="en-US" dirty="0"/>
           </a:p>
@@ -5108,7 +5108,7 @@
           <a:p>
             <a:fld id="{76838339-A875-5E45-AB3F-AAABD270346A}" type="datetime1">
               <a:rPr lang="en-US" smtClean="0"/>
-              <a:t>1/21/16</a:t>
+              <a:t>2/8/16</a:t>
             </a:fld>
             <a:endParaRPr lang="en-US"/>
           </a:p>
@@ -5394,7 +5394,7 @@
             <a:fld id="{FA3C144B-2939-9A49-B014-915EC3E81866}" type="datetime1">
               <a:rPr lang="en-US" smtClean="0"/>
               <a:pPr/>
-              <a:t>1/21/16</a:t>
+              <a:t>2/8/16</a:t>
             </a:fld>
             <a:endParaRPr lang="en-US" dirty="0"/>
           </a:p>
@@ -5876,7 +5876,7 @@
           <a:p>
             <a:fld id="{A73F672F-A5FB-5745-934A-1BF51CA5539C}" type="datetime1">
               <a:rPr lang="en-US" smtClean="0"/>
-              <a:t>1/21/16</a:t>
+              <a:t>2/8/16</a:t>
             </a:fld>
             <a:endParaRPr lang="en-US"/>
           </a:p>
@@ -6218,7 +6218,7 @@
             <a:fld id="{FA3C144B-2939-9A49-B014-915EC3E81866}" type="datetime1">
               <a:rPr lang="en-US" smtClean="0"/>
               <a:pPr/>
-              <a:t>1/21/16</a:t>
+              <a:t>2/8/16</a:t>
             </a:fld>
             <a:endParaRPr lang="en-US" dirty="0"/>
           </a:p>
@@ -6682,7 +6682,7 @@
           <a:p>
             <a:fld id="{6AFE6A63-5EBE-3E48-B0AE-DF655A1ECE76}" type="datetime1">
               <a:rPr lang="en-US" smtClean="0"/>
-              <a:t>1/21/16</a:t>
+              <a:t>2/8/16</a:t>
             </a:fld>
             <a:endParaRPr lang="en-US"/>
           </a:p>
@@ -7001,7 +7001,7 @@
           <a:p>
             <a:fld id="{4A019F0C-9D18-B54A-9AC9-18AA74EDB034}" type="datetime1">
               <a:rPr lang="en-US" smtClean="0"/>
-              <a:t>1/21/16</a:t>
+              <a:t>2/8/16</a:t>
             </a:fld>
             <a:endParaRPr lang="en-US"/>
           </a:p>
@@ -7311,7 +7311,7 @@
             <a:fld id="{FA3C144B-2939-9A49-B014-915EC3E81866}" type="datetime1">
               <a:rPr lang="en-US" smtClean="0"/>
               <a:pPr/>
-              <a:t>1/21/16</a:t>
+              <a:t>2/8/16</a:t>
             </a:fld>
             <a:endParaRPr lang="en-US" dirty="0"/>
           </a:p>
@@ -7574,7 +7574,7 @@
           <a:p>
             <a:fld id="{FA3C144B-2939-9A49-B014-915EC3E81866}" type="datetime1">
               <a:rPr lang="en-US" smtClean="0"/>
-              <a:t>1/21/16</a:t>
+              <a:t>2/8/16</a:t>
             </a:fld>
             <a:endParaRPr lang="en-US" dirty="0"/>
           </a:p>
@@ -7942,7 +7942,7 @@
           <a:p>
             <a:fld id="{7053BEFA-1175-F644-B249-7D41D72BD3FF}" type="datetime1">
               <a:rPr lang="en-US" smtClean="0"/>
-              <a:t>1/21/16</a:t>
+              <a:t>2/8/16</a:t>
             </a:fld>
             <a:endParaRPr lang="en-US"/>
           </a:p>
@@ -8061,7 +8061,7 @@
             <a:fld id="{FA3C144B-2939-9A49-B014-915EC3E81866}" type="datetime1">
               <a:rPr lang="en-US" smtClean="0"/>
               <a:pPr/>
-              <a:t>1/21/16</a:t>
+              <a:t>2/8/16</a:t>
             </a:fld>
             <a:endParaRPr lang="en-US" dirty="0"/>
           </a:p>
@@ -8278,7 +8278,7 @@
             <a:fld id="{FA3C144B-2939-9A49-B014-915EC3E81866}" type="datetime1">
               <a:rPr lang="en-US" smtClean="0"/>
               <a:pPr/>
-              <a:t>1/21/16</a:t>
+              <a:t>2/8/16</a:t>
             </a:fld>
             <a:endParaRPr lang="en-US" dirty="0"/>
           </a:p>
@@ -8523,7 +8523,7 @@
             <a:fld id="{FA3C144B-2939-9A49-B014-915EC3E81866}" type="datetime1">
               <a:rPr lang="en-US" smtClean="0"/>
               <a:pPr/>
-              <a:t>1/21/16</a:t>
+              <a:t>2/8/16</a:t>
             </a:fld>
             <a:endParaRPr lang="en-US" dirty="0"/>
           </a:p>
@@ -8901,7 +8901,7 @@
           <a:p>
             <a:fld id="{111EEF3B-ABF2-AA4E-9E24-0C6256942674}" type="datetime1">
               <a:rPr lang="en-US" smtClean="0"/>
-              <a:t>1/21/16</a:t>
+              <a:t>2/8/16</a:t>
             </a:fld>
             <a:endParaRPr lang="en-US"/>
           </a:p>
@@ -9065,7 +9065,7 @@
             <a:fld id="{FA3C144B-2939-9A49-B014-915EC3E81866}" type="datetime1">
               <a:rPr lang="en-US" smtClean="0"/>
               <a:pPr/>
-              <a:t>1/21/16</a:t>
+              <a:t>2/8/16</a:t>
             </a:fld>
             <a:endParaRPr lang="en-US" dirty="0"/>
           </a:p>
@@ -9482,7 +9482,7 @@
             <a:fld id="{FA3C144B-2939-9A49-B014-915EC3E81866}" type="datetime1">
               <a:rPr lang="en-US" smtClean="0"/>
               <a:pPr/>
-              <a:t>1/21/16</a:t>
+              <a:t>2/8/16</a:t>
             </a:fld>
             <a:endParaRPr lang="en-US" dirty="0"/>
           </a:p>
@@ -9798,7 +9798,7 @@
             <a:fld id="{FA3C144B-2939-9A49-B014-915EC3E81866}" type="datetime1">
               <a:rPr lang="en-US" smtClean="0"/>
               <a:pPr/>
-              <a:t>1/21/16</a:t>
+              <a:t>2/8/16</a:t>
             </a:fld>
             <a:endParaRPr lang="en-US" dirty="0"/>
           </a:p>
@@ -10464,7 +10464,7 @@
             <a:fld id="{FA3C144B-2939-9A49-B014-915EC3E81866}" type="datetime1">
               <a:rPr lang="en-US" smtClean="0"/>
               <a:pPr/>
-              <a:t>1/21/16</a:t>
+              <a:t>2/8/16</a:t>
             </a:fld>
             <a:endParaRPr lang="en-US" dirty="0"/>
           </a:p>
@@ -11681,7 +11681,7 @@
           <a:p>
             <a:fld id="{7053BEFA-1175-F644-B249-7D41D72BD3FF}" type="datetime1">
               <a:rPr lang="en-US" smtClean="0"/>
-              <a:t>1/21/16</a:t>
+              <a:t>2/8/16</a:t>
             </a:fld>
             <a:endParaRPr lang="en-US"/>
           </a:p>
@@ -11859,7 +11859,7 @@
           <a:p>
             <a:fld id="{111EEF3B-ABF2-AA4E-9E24-0C6256942674}" type="datetime1">
               <a:rPr lang="en-US" smtClean="0"/>
-              <a:t>1/21/16</a:t>
+              <a:t>2/8/16</a:t>
             </a:fld>
             <a:endParaRPr lang="en-US"/>
           </a:p>
@@ -12049,7 +12049,7 @@
           <a:p>
             <a:fld id="{111EEF3B-ABF2-AA4E-9E24-0C6256942674}" type="datetime1">
               <a:rPr lang="en-US" smtClean="0"/>
-              <a:t>1/21/16</a:t>
+              <a:t>2/8/16</a:t>
             </a:fld>
             <a:endParaRPr lang="en-US"/>
           </a:p>
@@ -12204,7 +12204,7 @@
           <a:p>
             <a:fld id="{7053BEFA-1175-F644-B249-7D41D72BD3FF}" type="datetime1">
               <a:rPr lang="en-US" smtClean="0"/>
-              <a:t>1/21/16</a:t>
+              <a:t>2/8/16</a:t>
             </a:fld>
             <a:endParaRPr lang="en-US"/>
           </a:p>
@@ -12348,7 +12348,7 @@
           <a:p>
             <a:fld id="{7053BEFA-1175-F644-B249-7D41D72BD3FF}" type="datetime1">
               <a:rPr lang="en-US" smtClean="0"/>
-              <a:t>1/21/16</a:t>
+              <a:t>2/8/16</a:t>
             </a:fld>
             <a:endParaRPr lang="en-US"/>
           </a:p>
@@ -12492,7 +12492,7 @@
           <a:p>
             <a:fld id="{7053BEFA-1175-F644-B249-7D41D72BD3FF}" type="datetime1">
               <a:rPr lang="en-US" smtClean="0"/>
-              <a:t>1/21/16</a:t>
+              <a:t>2/8/16</a:t>
             </a:fld>
             <a:endParaRPr lang="en-US"/>
           </a:p>
@@ -12644,7 +12644,7 @@
           <a:p>
             <a:fld id="{111EEF3B-ABF2-AA4E-9E24-0C6256942674}" type="datetime1">
               <a:rPr lang="en-US" smtClean="0"/>
-              <a:t>1/21/16</a:t>
+              <a:t>2/8/16</a:t>
             </a:fld>
             <a:endParaRPr lang="en-US"/>
           </a:p>
@@ -12794,7 +12794,7 @@
           <a:p>
             <a:fld id="{111EEF3B-ABF2-AA4E-9E24-0C6256942674}" type="datetime1">
               <a:rPr lang="en-US" smtClean="0"/>
-              <a:t>1/21/16</a:t>
+              <a:t>2/8/16</a:t>
             </a:fld>
             <a:endParaRPr lang="en-US"/>
           </a:p>
@@ -12981,7 +12981,7 @@
           <a:p>
             <a:fld id="{111EEF3B-ABF2-AA4E-9E24-0C6256942674}" type="datetime1">
               <a:rPr lang="en-US" smtClean="0"/>
-              <a:t>1/21/16</a:t>
+              <a:t>2/8/16</a:t>
             </a:fld>
             <a:endParaRPr lang="en-US"/>
           </a:p>
@@ -13171,7 +13171,7 @@
           <a:p>
             <a:fld id="{111EEF3B-ABF2-AA4E-9E24-0C6256942674}" type="datetime1">
               <a:rPr lang="en-US" smtClean="0"/>
-              <a:t>1/21/16</a:t>
+              <a:t>2/8/16</a:t>
             </a:fld>
             <a:endParaRPr lang="en-US"/>
           </a:p>
@@ -13654,7 +13654,7 @@
           <a:p>
             <a:fld id="{111EEF3B-ABF2-AA4E-9E24-0C6256942674}" type="datetime1">
               <a:rPr lang="en-US" smtClean="0"/>
-              <a:t>1/21/16</a:t>
+              <a:t>2/8/16</a:t>
             </a:fld>
             <a:endParaRPr lang="en-US"/>
           </a:p>
@@ -13871,7 +13871,7 @@
           <a:p>
             <a:fld id="{111EEF3B-ABF2-AA4E-9E24-0C6256942674}" type="datetime1">
               <a:rPr lang="en-US" smtClean="0"/>
-              <a:t>1/21/16</a:t>
+              <a:t>2/8/16</a:t>
             </a:fld>
             <a:endParaRPr lang="en-US"/>
           </a:p>
@@ -14088,7 +14088,7 @@
           <a:p>
             <a:fld id="{111EEF3B-ABF2-AA4E-9E24-0C6256942674}" type="datetime1">
               <a:rPr lang="en-US" smtClean="0"/>
-              <a:t>1/21/16</a:t>
+              <a:t>2/8/16</a:t>
             </a:fld>
             <a:endParaRPr lang="en-US"/>
           </a:p>
@@ -14243,7 +14243,7 @@
           <a:p>
             <a:fld id="{7053BEFA-1175-F644-B249-7D41D72BD3FF}" type="datetime1">
               <a:rPr lang="en-US" smtClean="0"/>
-              <a:t>1/21/16</a:t>
+              <a:t>2/8/16</a:t>
             </a:fld>
             <a:endParaRPr lang="en-US"/>
           </a:p>
@@ -14410,7 +14410,7 @@
           <a:p>
             <a:fld id="{7053BEFA-1175-F644-B249-7D41D72BD3FF}" type="datetime1">
               <a:rPr lang="en-US" smtClean="0"/>
-              <a:t>1/21/16</a:t>
+              <a:t>2/8/16</a:t>
             </a:fld>
             <a:endParaRPr lang="en-US"/>
           </a:p>
@@ -14661,7 +14661,7 @@
           <a:p>
             <a:fld id="{7053BEFA-1175-F644-B249-7D41D72BD3FF}" type="datetime1">
               <a:rPr lang="en-US" smtClean="0"/>
-              <a:t>1/21/16</a:t>
+              <a:t>2/8/16</a:t>
             </a:fld>
             <a:endParaRPr lang="en-US"/>
           </a:p>
@@ -14907,7 +14907,7 @@
           <a:p>
             <a:fld id="{7053BEFA-1175-F644-B249-7D41D72BD3FF}" type="datetime1">
               <a:rPr lang="en-US" smtClean="0"/>
-              <a:t>1/21/16</a:t>
+              <a:t>2/8/16</a:t>
             </a:fld>
             <a:endParaRPr lang="en-US"/>
           </a:p>
@@ -15057,7 +15057,7 @@
           <a:p>
             <a:fld id="{7053BEFA-1175-F644-B249-7D41D72BD3FF}" type="datetime1">
               <a:rPr lang="en-US" smtClean="0"/>
-              <a:t>1/21/16</a:t>
+              <a:t>2/8/16</a:t>
             </a:fld>
             <a:endParaRPr lang="en-US"/>
           </a:p>
@@ -15264,7 +15264,7 @@
           <a:p>
             <a:fld id="{7053BEFA-1175-F644-B249-7D41D72BD3FF}" type="datetime1">
               <a:rPr lang="en-US" smtClean="0"/>
-              <a:t>1/21/16</a:t>
+              <a:t>2/8/16</a:t>
             </a:fld>
             <a:endParaRPr lang="en-US"/>
           </a:p>
@@ -15462,7 +15462,7 @@
           <a:p>
             <a:fld id="{7053BEFA-1175-F644-B249-7D41D72BD3FF}" type="datetime1">
               <a:rPr lang="en-US" smtClean="0"/>
-              <a:t>1/21/16</a:t>
+              <a:t>2/8/16</a:t>
             </a:fld>
             <a:endParaRPr lang="en-US"/>
           </a:p>
@@ -15606,7 +15606,7 @@
           <a:p>
             <a:fld id="{111EEF3B-ABF2-AA4E-9E24-0C6256942674}" type="datetime1">
               <a:rPr lang="en-US" smtClean="0"/>
-              <a:t>1/21/16</a:t>
+              <a:t>2/8/16</a:t>
             </a:fld>
             <a:endParaRPr lang="en-US"/>
           </a:p>
@@ -15785,7 +15785,7 @@
           <a:p>
             <a:fld id="{7053BEFA-1175-F644-B249-7D41D72BD3FF}" type="datetime1">
               <a:rPr lang="en-US" smtClean="0"/>
-              <a:t>1/21/16</a:t>
+              <a:t>2/8/16</a:t>
             </a:fld>
             <a:endParaRPr lang="en-US"/>
           </a:p>
@@ -16303,7 +16303,7 @@
           <a:p>
             <a:fld id="{7053BEFA-1175-F644-B249-7D41D72BD3FF}" type="datetime1">
               <a:rPr lang="en-US" smtClean="0"/>
-              <a:t>1/21/16</a:t>
+              <a:t>2/8/16</a:t>
             </a:fld>
             <a:endParaRPr lang="en-US"/>
           </a:p>
@@ -20337,7 +20337,7 @@
           <a:p>
             <a:fld id="{7053BEFA-1175-F644-B249-7D41D72BD3FF}" type="datetime1">
               <a:rPr lang="en-US" smtClean="0"/>
-              <a:t>1/21/16</a:t>
+              <a:t>2/8/16</a:t>
             </a:fld>
             <a:endParaRPr lang="en-US"/>
           </a:p>
@@ -20468,7 +20468,12 @@
             <a:fillRect/>
           </a:stretch>
         </p:blipFill>
-        <p:spPr/>
+        <p:spPr>
+          <a:xfrm>
+            <a:off x="1128943" y="1847153"/>
+            <a:ext cx="7048804" cy="4379976"/>
+          </a:xfrm>
+        </p:spPr>
       </p:pic>
       <p:sp>
         <p:nvSpPr>
@@ -20487,7 +20492,7 @@
           <a:p>
             <a:fld id="{7053BEFA-1175-F644-B249-7D41D72BD3FF}" type="datetime1">
               <a:rPr lang="en-US" smtClean="0"/>
-              <a:t>1/21/16</a:t>
+              <a:t>2/8/16</a:t>
             </a:fld>
             <a:endParaRPr lang="en-US"/>
           </a:p>
@@ -20612,7 +20617,7 @@
           <a:p>
             <a:fld id="{7053BEFA-1175-F644-B249-7D41D72BD3FF}" type="datetime1">
               <a:rPr lang="en-US" smtClean="0"/>
-              <a:t>1/21/16</a:t>
+              <a:t>2/8/16</a:t>
             </a:fld>
             <a:endParaRPr lang="en-US"/>
           </a:p>
@@ -22393,7 +22398,7 @@
           <a:p>
             <a:fld id="{7053BEFA-1175-F644-B249-7D41D72BD3FF}" type="datetime1">
               <a:rPr lang="en-US" smtClean="0"/>
-              <a:t>1/21/16</a:t>
+              <a:t>2/8/16</a:t>
             </a:fld>
             <a:endParaRPr lang="en-US"/>
           </a:p>
@@ -22558,7 +22563,7 @@
           <a:p>
             <a:fld id="{7053BEFA-1175-F644-B249-7D41D72BD3FF}" type="datetime1">
               <a:rPr lang="en-US" smtClean="0"/>
-              <a:t>1/21/16</a:t>
+              <a:t>2/8/16</a:t>
             </a:fld>
             <a:endParaRPr lang="en-US"/>
           </a:p>
@@ -22728,7 +22733,7 @@
           <a:p>
             <a:fld id="{7053BEFA-1175-F644-B249-7D41D72BD3FF}" type="datetime1">
               <a:rPr lang="en-US" smtClean="0"/>
-              <a:t>1/21/16</a:t>
+              <a:t>2/8/16</a:t>
             </a:fld>
             <a:endParaRPr lang="en-US"/>
           </a:p>
@@ -22920,7 +22925,7 @@
           <a:p>
             <a:fld id="{7053BEFA-1175-F644-B249-7D41D72BD3FF}" type="datetime1">
               <a:rPr lang="en-US" smtClean="0"/>
-              <a:t>1/21/16</a:t>
+              <a:t>2/8/16</a:t>
             </a:fld>
             <a:endParaRPr lang="en-US"/>
           </a:p>
@@ -23207,7 +23212,7 @@
           <a:p>
             <a:fld id="{7053BEFA-1175-F644-B249-7D41D72BD3FF}" type="datetime1">
               <a:rPr lang="en-US" smtClean="0"/>
-              <a:t>1/21/16</a:t>
+              <a:t>2/8/16</a:t>
             </a:fld>
             <a:endParaRPr lang="en-US"/>
           </a:p>
@@ -23594,7 +23599,7 @@
           <a:p>
             <a:fld id="{7053BEFA-1175-F644-B249-7D41D72BD3FF}" type="datetime1">
               <a:rPr lang="en-US" smtClean="0"/>
-              <a:t>1/21/16</a:t>
+              <a:t>2/8/16</a:t>
             </a:fld>
             <a:endParaRPr lang="en-US"/>
           </a:p>
@@ -23770,7 +23775,7 @@
           <a:p>
             <a:fld id="{7053BEFA-1175-F644-B249-7D41D72BD3FF}" type="datetime1">
               <a:rPr lang="en-US" smtClean="0"/>
-              <a:t>1/21/16</a:t>
+              <a:t>2/8/16</a:t>
             </a:fld>
             <a:endParaRPr lang="en-US"/>
           </a:p>
@@ -23960,7 +23965,7 @@
           <a:p>
             <a:fld id="{7053BEFA-1175-F644-B249-7D41D72BD3FF}" type="datetime1">
               <a:rPr lang="en-US" smtClean="0"/>
-              <a:t>1/21/16</a:t>
+              <a:t>2/8/16</a:t>
             </a:fld>
             <a:endParaRPr lang="en-US"/>
           </a:p>
@@ -24185,7 +24190,7 @@
           <a:p>
             <a:fld id="{7053BEFA-1175-F644-B249-7D41D72BD3FF}" type="datetime1">
               <a:rPr lang="en-US" smtClean="0"/>
-              <a:t>1/21/16</a:t>
+              <a:t>2/8/16</a:t>
             </a:fld>
             <a:endParaRPr lang="en-US"/>
           </a:p>
@@ -24411,7 +24416,7 @@
             <a:fld id="{A73F672F-A5FB-5745-934A-1BF51CA5539C}" type="datetime1">
               <a:rPr lang="en-US" smtClean="0"/>
               <a:pPr/>
-              <a:t>1/21/16</a:t>
+              <a:t>2/8/16</a:t>
             </a:fld>
             <a:endParaRPr lang="en-US"/>
           </a:p>
@@ -24537,7 +24542,7 @@
           <a:p>
             <a:fld id="{7053BEFA-1175-F644-B249-7D41D72BD3FF}" type="datetime1">
               <a:rPr lang="en-US" smtClean="0"/>
-              <a:t>1/21/16</a:t>
+              <a:t>2/8/16</a:t>
             </a:fld>
             <a:endParaRPr lang="en-US"/>
           </a:p>
@@ -25095,7 +25100,7 @@
           <a:p>
             <a:fld id="{7053BEFA-1175-F644-B249-7D41D72BD3FF}" type="datetime1">
               <a:rPr lang="en-US" smtClean="0"/>
-              <a:t>1/21/16</a:t>
+              <a:t>2/8/16</a:t>
             </a:fld>
             <a:endParaRPr lang="en-US"/>
           </a:p>
@@ -25600,7 +25605,7 @@
           <a:p>
             <a:fld id="{7053BEFA-1175-F644-B249-7D41D72BD3FF}" type="datetime1">
               <a:rPr lang="en-US" smtClean="0"/>
-              <a:t>1/21/16</a:t>
+              <a:t>2/8/16</a:t>
             </a:fld>
             <a:endParaRPr lang="en-US"/>
           </a:p>
@@ -26111,7 +26116,7 @@
             <a:fld id="{FA3C144B-2939-9A49-B014-915EC3E81866}" type="datetime1">
               <a:rPr lang="en-US" smtClean="0"/>
               <a:pPr/>
-              <a:t>1/21/16</a:t>
+              <a:t>2/8/16</a:t>
             </a:fld>
             <a:endParaRPr lang="en-US" dirty="0"/>
           </a:p>
@@ -26348,7 +26353,7 @@
           <a:p>
             <a:fld id="{7053BEFA-1175-F644-B249-7D41D72BD3FF}" type="datetime1">
               <a:rPr lang="en-US" smtClean="0"/>
-              <a:t>1/21/16</a:t>
+              <a:t>2/8/16</a:t>
             </a:fld>
             <a:endParaRPr lang="en-US"/>
           </a:p>
@@ -26674,7 +26679,7 @@
           <a:p>
             <a:fld id="{7053BEFA-1175-F644-B249-7D41D72BD3FF}" type="datetime1">
               <a:rPr lang="en-US" smtClean="0"/>
-              <a:t>1/21/16</a:t>
+              <a:t>2/8/16</a:t>
             </a:fld>
             <a:endParaRPr lang="en-US"/>
           </a:p>
@@ -40382,7 +40387,7 @@
           <a:p>
             <a:fld id="{7053BEFA-1175-F644-B249-7D41D72BD3FF}" type="datetime1">
               <a:rPr lang="en-US" smtClean="0"/>
-              <a:t>1/21/16</a:t>
+              <a:t>2/8/16</a:t>
             </a:fld>
             <a:endParaRPr lang="en-US"/>
           </a:p>
@@ -40599,7 +40604,7 @@
           <a:p>
             <a:fld id="{7053BEFA-1175-F644-B249-7D41D72BD3FF}" type="datetime1">
               <a:rPr lang="en-US" smtClean="0"/>
-              <a:t>1/21/16</a:t>
+              <a:t>2/8/16</a:t>
             </a:fld>
             <a:endParaRPr lang="en-US"/>
           </a:p>
@@ -40773,7 +40778,7 @@
           <a:p>
             <a:fld id="{7053BEFA-1175-F644-B249-7D41D72BD3FF}" type="datetime1">
               <a:rPr lang="en-US" smtClean="0"/>
-              <a:t>1/21/16</a:t>
+              <a:t>2/8/16</a:t>
             </a:fld>
             <a:endParaRPr lang="en-US"/>
           </a:p>
@@ -40946,7 +40951,7 @@
           <a:p>
             <a:fld id="{7053BEFA-1175-F644-B249-7D41D72BD3FF}" type="datetime1">
               <a:rPr lang="en-US" smtClean="0"/>
-              <a:t>1/21/16</a:t>
+              <a:t>2/8/16</a:t>
             </a:fld>
             <a:endParaRPr lang="en-US"/>
           </a:p>
@@ -41141,7 +41146,7 @@
           <a:p>
             <a:fld id="{7053BEFA-1175-F644-B249-7D41D72BD3FF}" type="datetime1">
               <a:rPr lang="en-US" smtClean="0"/>
-              <a:t>1/21/16</a:t>
+              <a:t>2/8/16</a:t>
             </a:fld>
             <a:endParaRPr lang="en-US"/>
           </a:p>
@@ -41680,7 +41685,7 @@
           <a:p>
             <a:fld id="{7053BEFA-1175-F644-B249-7D41D72BD3FF}" type="datetime1">
               <a:rPr lang="en-US" smtClean="0"/>
-              <a:t>1/21/16</a:t>
+              <a:t>2/8/16</a:t>
             </a:fld>
             <a:endParaRPr lang="en-US"/>
           </a:p>
@@ -41902,7 +41907,7 @@
           <a:p>
             <a:fld id="{7053BEFA-1175-F644-B249-7D41D72BD3FF}" type="datetime1">
               <a:rPr lang="en-US" smtClean="0"/>
-              <a:t>1/21/16</a:t>
+              <a:t>2/8/16</a:t>
             </a:fld>
             <a:endParaRPr lang="en-US"/>
           </a:p>
@@ -42162,7 +42167,7 @@
           <a:p>
             <a:fld id="{7053BEFA-1175-F644-B249-7D41D72BD3FF}" type="datetime1">
               <a:rPr lang="en-US" smtClean="0"/>
-              <a:t>1/21/16</a:t>
+              <a:t>2/8/16</a:t>
             </a:fld>
             <a:endParaRPr lang="en-US"/>
           </a:p>
@@ -42453,7 +42458,7 @@
           <a:p>
             <a:fld id="{7053BEFA-1175-F644-B249-7D41D72BD3FF}" type="datetime1">
               <a:rPr lang="en-US" smtClean="0"/>
-              <a:t>1/21/16</a:t>
+              <a:t>2/8/16</a:t>
             </a:fld>
             <a:endParaRPr lang="en-US"/>
           </a:p>
@@ -42602,7 +42607,7 @@
           <a:p>
             <a:fld id="{7053BEFA-1175-F644-B249-7D41D72BD3FF}" type="datetime1">
               <a:rPr lang="en-US" smtClean="0"/>
-              <a:t>1/21/16</a:t>
+              <a:t>2/8/16</a:t>
             </a:fld>
             <a:endParaRPr lang="en-US"/>
           </a:p>
@@ -42926,7 +42931,7 @@
             <a:fld id="{FA3C144B-2939-9A49-B014-915EC3E81866}" type="datetime1">
               <a:rPr lang="en-US" smtClean="0"/>
               <a:pPr/>
-              <a:t>1/21/16</a:t>
+              <a:t>2/8/16</a:t>
             </a:fld>
             <a:endParaRPr lang="en-US" dirty="0"/>
           </a:p>

--- a/Lectures/4 Exploration.pptx
+++ b/Lectures/4 Exploration.pptx
@@ -255,7 +255,7 @@
           <a:p>
             <a:fld id="{D3AAB66F-B1B7-D045-B4E8-4F60236F228D}" type="datetimeFigureOut">
               <a:rPr lang="en-US" smtClean="0"/>
-              <a:t>2/8/16</a:t>
+              <a:t>2/10/16</a:t>
             </a:fld>
             <a:endParaRPr lang="en-US"/>
           </a:p>
@@ -421,7 +421,7 @@
           <a:p>
             <a:fld id="{BCCF8E76-06A6-164E-A6FA-EC32C13EB232}" type="datetimeFigureOut">
               <a:rPr lang="en-US" smtClean="0"/>
-              <a:t>2/8/16</a:t>
+              <a:t>2/10/16</a:t>
             </a:fld>
             <a:endParaRPr lang="en-US"/>
           </a:p>
@@ -736,25 +736,17 @@
           <a:p>
             <a:r>
               <a:rPr lang="en-US" dirty="0" smtClean="0"/>
-              <a:t>Major</a:t>
-            </a:r>
-            <a:r>
-              <a:rPr lang="en-US" baseline="0" dirty="0" smtClean="0"/>
-              <a:t> parsing effort to create tables!</a:t>
-            </a:r>
-            <a:br>
-              <a:rPr lang="en-US" baseline="0" dirty="0" smtClean="0"/>
-            </a:br>
-            <a:endParaRPr lang="en-US" baseline="0" dirty="0" smtClean="0"/>
-          </a:p>
-          <a:p>
-            <a:r>
-              <a:rPr lang="en-US" dirty="0" smtClean="0"/>
-              <a:t>The original logs did not have consistent logging formats and improper delimiting which has resulted in issues with parsing. Some of these have been fixed, but others may not yet have been found. Typical symptoms include the subfields not correctly matching the expected value from the original log file. Typical errors are caused by log file field delimiters appearing within a field (causing incorrect field tokenization). Other errors caused by unknown and inconsistent log line formats. Different types of log lines had differing line formats and these sometimes changed.</a:t>
-            </a:r>
-          </a:p>
-          <a:p>
-            <a:endParaRPr lang="en-US" dirty="0"/>
+              <a:t>Xx add http://</a:t>
+            </a:r>
+            <a:r>
+              <a:rPr lang="en-US" dirty="0" err="1" smtClean="0"/>
+              <a:t>www.wikiwand.com</a:t>
+            </a:r>
+            <a:r>
+              <a:rPr lang="en-US" smtClean="0"/>
+              <a:t>/en/Anscombe%27s_quartet</a:t>
+            </a:r>
+            <a:endParaRPr lang="en-US"/>
           </a:p>
         </p:txBody>
       </p:sp>
@@ -775,7 +767,7 @@
           <a:p>
             <a:fld id="{FD66F34B-9C4D-8640-BB34-4C24A79C9FFB}" type="slidenum">
               <a:rPr lang="en-US" smtClean="0"/>
-              <a:t>6</a:t>
+              <a:t>1</a:t>
             </a:fld>
             <a:endParaRPr lang="en-US"/>
           </a:p>
@@ -784,7 +776,7 @@
     </p:spTree>
     <p:extLst>
       <p:ext uri="{BB962C8B-B14F-4D97-AF65-F5344CB8AC3E}">
-        <p14:creationId xmlns:p14="http://schemas.microsoft.com/office/powerpoint/2010/main" val="3324252417"/>
+        <p14:creationId xmlns:p14="http://schemas.microsoft.com/office/powerpoint/2010/main" val="2136106045"/>
       </p:ext>
     </p:extLst>
   </p:cSld>
@@ -840,11 +832,7 @@
           <a:p>
             <a:r>
               <a:rPr lang="en-US" dirty="0" smtClean="0"/>
-              <a:t>N-1 is for sample; use N </a:t>
-            </a:r>
-            <a:r>
-              <a:rPr lang="en-US" smtClean="0"/>
-              <a:t>for population</a:t>
+              <a:t>N-1 is for sample; use N for population</a:t>
             </a:r>
             <a:endParaRPr lang="en-US" dirty="0"/>
           </a:p>
@@ -867,7 +855,7 @@
           <a:p>
             <a:fld id="{FD66F34B-9C4D-8640-BB34-4C24A79C9FFB}" type="slidenum">
               <a:rPr lang="en-US" smtClean="0"/>
-              <a:t>21</a:t>
+              <a:t>20</a:t>
             </a:fld>
             <a:endParaRPr lang="en-US"/>
           </a:p>
@@ -959,7 +947,7 @@
           <a:p>
             <a:fld id="{FD66F34B-9C4D-8640-BB34-4C24A79C9FFB}" type="slidenum">
               <a:rPr lang="en-US" smtClean="0"/>
-              <a:t>22</a:t>
+              <a:t>21</a:t>
             </a:fld>
             <a:endParaRPr lang="en-US"/>
           </a:p>
@@ -1024,17 +1012,13 @@
           <a:p>
             <a:r>
               <a:rPr lang="en-US" dirty="0" smtClean="0"/>
-              <a:t>Have them do an</a:t>
-            </a:r>
-            <a:r>
-              <a:rPr lang="en-US" baseline="0" dirty="0" smtClean="0"/>
-              <a:t> exercise </a:t>
-            </a:r>
-            <a:r>
-              <a:rPr lang="en-US" baseline="0" smtClean="0"/>
-              <a:t>in class</a:t>
-            </a:r>
-            <a:endParaRPr lang="en-US"/>
+              <a:t>N-1 is for sample; use N </a:t>
+            </a:r>
+            <a:r>
+              <a:rPr lang="en-US" smtClean="0"/>
+              <a:t>for population</a:t>
+            </a:r>
+            <a:endParaRPr lang="en-US" dirty="0"/>
           </a:p>
         </p:txBody>
       </p:sp>
@@ -1055,7 +1039,7 @@
           <a:p>
             <a:fld id="{FD66F34B-9C4D-8640-BB34-4C24A79C9FFB}" type="slidenum">
               <a:rPr lang="en-US" smtClean="0"/>
-              <a:t>25</a:t>
+              <a:t>22</a:t>
             </a:fld>
             <a:endParaRPr lang="en-US"/>
           </a:p>
@@ -1064,7 +1048,7 @@
     </p:spTree>
     <p:extLst>
       <p:ext uri="{BB962C8B-B14F-4D97-AF65-F5344CB8AC3E}">
-        <p14:creationId xmlns:p14="http://schemas.microsoft.com/office/powerpoint/2010/main" val="352581229"/>
+        <p14:creationId xmlns:p14="http://schemas.microsoft.com/office/powerpoint/2010/main" val="3585347995"/>
       </p:ext>
     </p:extLst>
   </p:cSld>
@@ -1151,7 +1135,7 @@
           <a:p>
             <a:fld id="{FD66F34B-9C4D-8640-BB34-4C24A79C9FFB}" type="slidenum">
               <a:rPr lang="en-US" smtClean="0"/>
-              <a:t>26</a:t>
+              <a:t>25</a:t>
             </a:fld>
             <a:endParaRPr lang="en-US"/>
           </a:p>
@@ -1216,27 +1200,17 @@
           <a:p>
             <a:r>
               <a:rPr lang="en-US" dirty="0" smtClean="0"/>
-              <a:t>-</a:t>
+              <a:t>Have them do an</a:t>
             </a:r>
             <a:r>
               <a:rPr lang="en-US" baseline="0" dirty="0" smtClean="0"/>
-              <a:t> C</a:t>
-            </a:r>
-            <a:r>
-              <a:rPr lang="en-US" dirty="0" smtClean="0"/>
-              <a:t>ould represent using 10s or 100s per ‘digit’ (but what</a:t>
-            </a:r>
-            <a:r>
-              <a:rPr lang="en-US" baseline="0" dirty="0" smtClean="0"/>
-              <a:t> do we do about 2 digits in this case? Round to 0?) </a:t>
-            </a:r>
-          </a:p>
-          <a:p>
-            <a:r>
-              <a:rPr lang="en-US" baseline="0" dirty="0" smtClean="0"/>
-              <a:t>- Other ideas?</a:t>
-            </a:r>
-            <a:endParaRPr lang="en-US" dirty="0"/>
+              <a:t> exercise </a:t>
+            </a:r>
+            <a:r>
+              <a:rPr lang="en-US" baseline="0" smtClean="0"/>
+              <a:t>in class</a:t>
+            </a:r>
+            <a:endParaRPr lang="en-US"/>
           </a:p>
         </p:txBody>
       </p:sp>
@@ -1257,7 +1231,7 @@
           <a:p>
             <a:fld id="{FD66F34B-9C4D-8640-BB34-4C24A79C9FFB}" type="slidenum">
               <a:rPr lang="en-US" smtClean="0"/>
-              <a:t>28</a:t>
+              <a:t>26</a:t>
             </a:fld>
             <a:endParaRPr lang="en-US"/>
           </a:p>
@@ -1363,7 +1337,7 @@
           <a:p>
             <a:fld id="{FD66F34B-9C4D-8640-BB34-4C24A79C9FFB}" type="slidenum">
               <a:rPr lang="en-US" smtClean="0"/>
-              <a:t>29</a:t>
+              <a:t>28</a:t>
             </a:fld>
             <a:endParaRPr lang="en-US"/>
           </a:p>
@@ -1469,7 +1443,7 @@
           <a:p>
             <a:fld id="{FD66F34B-9C4D-8640-BB34-4C24A79C9FFB}" type="slidenum">
               <a:rPr lang="en-US" smtClean="0"/>
-              <a:t>30</a:t>
+              <a:t>29</a:t>
             </a:fld>
             <a:endParaRPr lang="en-US"/>
           </a:p>
@@ -1532,44 +1506,28 @@
           <a:bodyPr/>
           <a:lstStyle/>
           <a:p>
-            <a:pPr marL="171450" indent="-171450">
-              <a:buFontTx/>
-              <a:buChar char="-"/>
-            </a:pPr>
+            <a:r>
+              <a:rPr lang="en-US" dirty="0" smtClean="0"/>
+              <a:t>-</a:t>
+            </a:r>
             <a:r>
               <a:rPr lang="en-US" baseline="0" dirty="0" smtClean="0"/>
-              <a:t>C</a:t>
-            </a:r>
-            <a:r>
-              <a:rPr lang="en-US" dirty="0" smtClean="0"/>
-              <a:t>ould represent using 10s this way too… or thousands</a:t>
-            </a:r>
-          </a:p>
-          <a:p>
-            <a:pPr marL="171450" indent="-171450">
-              <a:buFontTx/>
-              <a:buChar char="-"/>
-            </a:pPr>
+              <a:t> C</a:t>
+            </a:r>
+            <a:r>
+              <a:rPr lang="en-US" dirty="0" smtClean="0"/>
+              <a:t>ould represent using 10s or 100s per ‘digit’ (but what</a:t>
+            </a:r>
             <a:r>
               <a:rPr lang="en-US" baseline="0" dirty="0" smtClean="0"/>
-              <a:t>What do we do when the range is so big?</a:t>
-            </a:r>
-          </a:p>
-          <a:p>
-            <a:pPr marL="171450" indent="-171450">
-              <a:buFontTx/>
-              <a:buChar char="-"/>
-            </a:pPr>
+              <a:t> do we do about 2 digits in this case? Round to 0?) </a:t>
+            </a:r>
+          </a:p>
+          <a:p>
             <a:r>
               <a:rPr lang="en-US" baseline="0" dirty="0" smtClean="0"/>
-              <a:t>What do we do about the long tail?</a:t>
-            </a:r>
-          </a:p>
-          <a:p>
-            <a:pPr marL="171450" indent="-171450">
-              <a:buFontTx/>
-              <a:buChar char="-"/>
-            </a:pPr>
+              <a:t>- Other ideas?</a:t>
+            </a:r>
             <a:endParaRPr lang="en-US" dirty="0"/>
           </a:p>
         </p:txBody>
@@ -1591,7 +1549,7 @@
           <a:p>
             <a:fld id="{FD66F34B-9C4D-8640-BB34-4C24A79C9FFB}" type="slidenum">
               <a:rPr lang="en-US" smtClean="0"/>
-              <a:t>31</a:t>
+              <a:t>30</a:t>
             </a:fld>
             <a:endParaRPr lang="en-US"/>
           </a:p>
@@ -1713,7 +1671,7 @@
           <a:p>
             <a:fld id="{FD66F34B-9C4D-8640-BB34-4C24A79C9FFB}" type="slidenum">
               <a:rPr lang="en-US" smtClean="0"/>
-              <a:t>34</a:t>
+              <a:t>31</a:t>
             </a:fld>
             <a:endParaRPr lang="en-US"/>
           </a:p>
@@ -1776,32 +1734,45 @@
           <a:bodyPr/>
           <a:lstStyle/>
           <a:p>
+            <a:pPr marL="171450" indent="-171450">
+              <a:buFontTx/>
+              <a:buChar char="-"/>
+            </a:pPr>
             <a:r>
               <a:rPr lang="en-US" baseline="0" dirty="0" smtClean="0"/>
-              <a:t>Can show certain types of unexpected structure (e.g. variance)</a:t>
-            </a:r>
-          </a:p>
-          <a:p>
+              <a:t>C</a:t>
+            </a:r>
+            <a:r>
+              <a:rPr lang="en-US" dirty="0" smtClean="0"/>
+              <a:t>ould represent using 10s this way too… or thousands</a:t>
+            </a:r>
+          </a:p>
+          <a:p>
+            <a:pPr marL="171450" indent="-171450">
+              <a:buFontTx/>
+              <a:buChar char="-"/>
+            </a:pPr>
             <a:r>
               <a:rPr lang="en-US" baseline="0" dirty="0" smtClean="0"/>
-              <a:t>You can also see which way the data sways. For example, if there are more people who eat a lot of burgers than eat a few, the median is going to be higher or the top whisker could be longer than the bottom one. </a:t>
-            </a:r>
-            <a:br>
+              <a:t>What do we do when the range is so big?</a:t>
+            </a:r>
+          </a:p>
+          <a:p>
+            <a:pPr marL="171450" indent="-171450">
+              <a:buFontTx/>
+              <a:buChar char="-"/>
+            </a:pPr>
+            <a:r>
               <a:rPr lang="en-US" baseline="0" dirty="0" smtClean="0"/>
-            </a:br>
-            <a:r>
-              <a:rPr lang="en-US" baseline="0" dirty="0" smtClean="0"/>
-              <a:t>Basically, it gives you a good overview of the data's distribution.</a:t>
-            </a:r>
-          </a:p>
-          <a:p>
-            <a:endParaRPr lang="en-US" baseline="0" dirty="0" smtClean="0"/>
-          </a:p>
-          <a:p>
-            <a:r>
-              <a:rPr lang="en-US" baseline="0" dirty="0" smtClean="0"/>
-              <a:t>Some variation in how these are assigned…</a:t>
-            </a:r>
+              <a:t>What do we do about the long tail?</a:t>
+            </a:r>
+          </a:p>
+          <a:p>
+            <a:pPr marL="171450" indent="-171450">
+              <a:buFontTx/>
+              <a:buChar char="-"/>
+            </a:pPr>
+            <a:endParaRPr lang="en-US" dirty="0"/>
           </a:p>
         </p:txBody>
       </p:sp>
@@ -1822,7 +1793,7 @@
           <a:p>
             <a:fld id="{FD66F34B-9C4D-8640-BB34-4C24A79C9FFB}" type="slidenum">
               <a:rPr lang="en-US" smtClean="0"/>
-              <a:t>36</a:t>
+              <a:t>34</a:t>
             </a:fld>
             <a:endParaRPr lang="en-US"/>
           </a:p>
@@ -1831,7 +1802,7 @@
     </p:spTree>
     <p:extLst>
       <p:ext uri="{BB962C8B-B14F-4D97-AF65-F5344CB8AC3E}">
-        <p14:creationId xmlns:p14="http://schemas.microsoft.com/office/powerpoint/2010/main" val="654282882"/>
+        <p14:creationId xmlns:p14="http://schemas.microsoft.com/office/powerpoint/2010/main" val="352581229"/>
       </p:ext>
     </p:extLst>
   </p:cSld>
@@ -1885,6 +1856,26 @@
           <a:bodyPr/>
           <a:lstStyle/>
           <a:p>
+            <a:r>
+              <a:rPr lang="en-US" dirty="0" smtClean="0"/>
+              <a:t>Major</a:t>
+            </a:r>
+            <a:r>
+              <a:rPr lang="en-US" baseline="0" dirty="0" smtClean="0"/>
+              <a:t> parsing effort to create tables!</a:t>
+            </a:r>
+            <a:br>
+              <a:rPr lang="en-US" baseline="0" dirty="0" smtClean="0"/>
+            </a:br>
+            <a:endParaRPr lang="en-US" baseline="0" dirty="0" smtClean="0"/>
+          </a:p>
+          <a:p>
+            <a:r>
+              <a:rPr lang="en-US" dirty="0" smtClean="0"/>
+              <a:t>The original logs did not have consistent logging formats and improper delimiting which has resulted in issues with parsing. Some of these have been fixed, but others may not yet have been found. Typical symptoms include the subfields not correctly matching the expected value from the original log file. Typical errors are caused by log file field delimiters appearing within a field (causing incorrect field tokenization). Other errors caused by unknown and inconsistent log line formats. Different types of log lines had differing line formats and these sometimes changed.</a:t>
+            </a:r>
+          </a:p>
+          <a:p>
             <a:endParaRPr lang="en-US" dirty="0"/>
           </a:p>
         </p:txBody>
@@ -1906,7 +1897,7 @@
           <a:p>
             <a:fld id="{FD66F34B-9C4D-8640-BB34-4C24A79C9FFB}" type="slidenum">
               <a:rPr lang="en-US" smtClean="0"/>
-              <a:t>8</a:t>
+              <a:t>6</a:t>
             </a:fld>
             <a:endParaRPr lang="en-US"/>
           </a:p>
@@ -1915,7 +1906,7 @@
     </p:spTree>
     <p:extLst>
       <p:ext uri="{BB962C8B-B14F-4D97-AF65-F5344CB8AC3E}">
-        <p14:creationId xmlns:p14="http://schemas.microsoft.com/office/powerpoint/2010/main" val="1632654005"/>
+        <p14:creationId xmlns:p14="http://schemas.microsoft.com/office/powerpoint/2010/main" val="3324252417"/>
       </p:ext>
     </p:extLst>
   </p:cSld>
@@ -1971,27 +1962,20 @@
           <a:p>
             <a:r>
               <a:rPr lang="en-US" baseline="0" dirty="0" smtClean="0"/>
-              <a:t>Boxplots make comparison really easy … </a:t>
+              <a:t>Can show certain types of unexpected structure (e.g. variance)</a:t>
             </a:r>
           </a:p>
           <a:p>
             <a:r>
               <a:rPr lang="en-US" baseline="0" dirty="0" smtClean="0"/>
-              <a:t>Can also show certain types of unexpected structure (e.g. variance variance)</a:t>
-            </a:r>
-          </a:p>
-          <a:p>
-            <a:r>
+              <a:t>You can also see which way the data sways. For example, if there are more people who eat a lot of burgers than eat a few, the median is going to be higher or the top whisker could be longer than the bottom one. </a:t>
+            </a:r>
+            <a:br>
               <a:rPr lang="en-US" baseline="0" dirty="0" smtClean="0"/>
-              <a:t>Created with ‘boxplot-</a:t>
-            </a:r>
-            <a:r>
-              <a:rPr lang="en-US" baseline="0" dirty="0" err="1" smtClean="0"/>
-              <a:t>demo.py</a:t>
-            </a:r>
+            </a:br>
             <a:r>
               <a:rPr lang="en-US" baseline="0" dirty="0" smtClean="0"/>
-              <a:t>’</a:t>
+              <a:t>Basically, it gives you a good overview of the data's distribution.</a:t>
             </a:r>
           </a:p>
           <a:p>
@@ -2000,25 +1984,7 @@
           <a:p>
             <a:r>
               <a:rPr lang="en-US" baseline="0" dirty="0" smtClean="0"/>
-              <a:t>Box is 25% </a:t>
-            </a:r>
-          </a:p>
-          <a:p>
-            <a:r>
-              <a:rPr lang="en-US" baseline="0" dirty="0" smtClean="0"/>
-              <a:t>Line is median</a:t>
-            </a:r>
-          </a:p>
-          <a:p>
-            <a:r>
-              <a:rPr lang="en-US" baseline="0" dirty="0" smtClean="0"/>
-              <a:t>Dots are outliers</a:t>
-            </a:r>
-          </a:p>
-          <a:p>
-            <a:r>
-              <a:rPr lang="en-US" baseline="0" dirty="0" smtClean="0"/>
-              <a:t>Xx update</a:t>
+              <a:t>Some variation in how these are assigned…</a:t>
             </a:r>
           </a:p>
         </p:txBody>
@@ -2040,7 +2006,7 @@
           <a:p>
             <a:fld id="{FD66F34B-9C4D-8640-BB34-4C24A79C9FFB}" type="slidenum">
               <a:rPr lang="en-US" smtClean="0"/>
-              <a:t>37</a:t>
+              <a:t>36</a:t>
             </a:fld>
             <a:endParaRPr lang="en-US"/>
           </a:p>
@@ -2104,10 +2070,56 @@
           <a:lstStyle/>
           <a:p>
             <a:r>
-              <a:rPr lang="en-US" dirty="0" smtClean="0"/>
-              <a:t>Example </a:t>
-            </a:r>
-            <a:endParaRPr lang="en-US" dirty="0"/>
+              <a:rPr lang="en-US" baseline="0" dirty="0" smtClean="0"/>
+              <a:t>Boxplots make comparison really easy … </a:t>
+            </a:r>
+          </a:p>
+          <a:p>
+            <a:r>
+              <a:rPr lang="en-US" baseline="0" dirty="0" smtClean="0"/>
+              <a:t>Can also show certain types of unexpected structure (e.g. variance variance)</a:t>
+            </a:r>
+          </a:p>
+          <a:p>
+            <a:r>
+              <a:rPr lang="en-US" baseline="0" dirty="0" smtClean="0"/>
+              <a:t>Created with ‘boxplot-</a:t>
+            </a:r>
+            <a:r>
+              <a:rPr lang="en-US" baseline="0" dirty="0" err="1" smtClean="0"/>
+              <a:t>demo.py</a:t>
+            </a:r>
+            <a:r>
+              <a:rPr lang="en-US" baseline="0" dirty="0" smtClean="0"/>
+              <a:t>’</a:t>
+            </a:r>
+          </a:p>
+          <a:p>
+            <a:endParaRPr lang="en-US" baseline="0" dirty="0" smtClean="0"/>
+          </a:p>
+          <a:p>
+            <a:r>
+              <a:rPr lang="en-US" baseline="0" dirty="0" smtClean="0"/>
+              <a:t>Box is 25% </a:t>
+            </a:r>
+          </a:p>
+          <a:p>
+            <a:r>
+              <a:rPr lang="en-US" baseline="0" dirty="0" smtClean="0"/>
+              <a:t>Line is median</a:t>
+            </a:r>
+          </a:p>
+          <a:p>
+            <a:r>
+              <a:rPr lang="en-US" baseline="0" dirty="0" smtClean="0"/>
+              <a:t>Dots are outliers</a:t>
+            </a:r>
+          </a:p>
+          <a:p>
+            <a:r>
+              <a:rPr lang="en-US" baseline="0" dirty="0" smtClean="0"/>
+              <a:t>Xx update</a:t>
+            </a:r>
           </a:p>
         </p:txBody>
       </p:sp>
@@ -2128,7 +2140,7 @@
           <a:p>
             <a:fld id="{FD66F34B-9C4D-8640-BB34-4C24A79C9FFB}" type="slidenum">
               <a:rPr lang="en-US" smtClean="0"/>
-              <a:t>38</a:t>
+              <a:t>37</a:t>
             </a:fld>
             <a:endParaRPr lang="en-US"/>
           </a:p>
@@ -2137,7 +2149,7 @@
     </p:spTree>
     <p:extLst>
       <p:ext uri="{BB962C8B-B14F-4D97-AF65-F5344CB8AC3E}">
-        <p14:creationId xmlns:p14="http://schemas.microsoft.com/office/powerpoint/2010/main" val="3163214532"/>
+        <p14:creationId xmlns:p14="http://schemas.microsoft.com/office/powerpoint/2010/main" val="654282882"/>
       </p:ext>
     </p:extLst>
   </p:cSld>
@@ -2216,7 +2228,7 @@
           <a:p>
             <a:fld id="{FD66F34B-9C4D-8640-BB34-4C24A79C9FFB}" type="slidenum">
               <a:rPr lang="en-US" smtClean="0"/>
-              <a:t>39</a:t>
+              <a:t>38</a:t>
             </a:fld>
             <a:endParaRPr lang="en-US"/>
           </a:p>
@@ -2281,39 +2293,9 @@
           <a:p>
             <a:r>
               <a:rPr lang="en-US" dirty="0" smtClean="0"/>
-              <a:t>http://</a:t>
-            </a:r>
-            <a:r>
-              <a:rPr lang="en-US" dirty="0" err="1" smtClean="0"/>
-              <a:t>www.physics.csbsju.edu</a:t>
-            </a:r>
-            <a:r>
-              <a:rPr lang="en-US" dirty="0" smtClean="0"/>
-              <a:t>/stats/KS-</a:t>
-            </a:r>
-            <a:r>
-              <a:rPr lang="en-US" dirty="0" err="1" smtClean="0"/>
-              <a:t>test.html</a:t>
-            </a:r>
-            <a:endParaRPr lang="en-US" dirty="0" smtClean="0"/>
-          </a:p>
-          <a:p>
-            <a:endParaRPr lang="en-US" dirty="0" smtClean="0"/>
-          </a:p>
-          <a:p>
-            <a:r>
-              <a:rPr lang="en-US" dirty="0" smtClean="0"/>
-              <a:t>One of the advantages of the KS-test is that it leads to a graphical presentation of the data, which enables the user to detect normal distributions (see below). </a:t>
-            </a:r>
-          </a:p>
-          <a:p>
-            <a:r>
-              <a:rPr lang="en-US" dirty="0" smtClean="0"/>
-              <a:t>The KS-test is a robust test that cares only about the relative distribution of the data. </a:t>
-            </a:r>
-          </a:p>
-          <a:p>
-            <a:endParaRPr lang="en-US" dirty="0" smtClean="0"/>
+              <a:t>Example </a:t>
+            </a:r>
+            <a:endParaRPr lang="en-US" dirty="0"/>
           </a:p>
         </p:txBody>
       </p:sp>
@@ -2334,7 +2316,7 @@
           <a:p>
             <a:fld id="{FD66F34B-9C4D-8640-BB34-4C24A79C9FFB}" type="slidenum">
               <a:rPr lang="en-US" smtClean="0"/>
-              <a:t>42</a:t>
+              <a:t>39</a:t>
             </a:fld>
             <a:endParaRPr lang="en-US"/>
           </a:p>
@@ -2343,7 +2325,7 @@
     </p:spTree>
     <p:extLst>
       <p:ext uri="{BB962C8B-B14F-4D97-AF65-F5344CB8AC3E}">
-        <p14:creationId xmlns:p14="http://schemas.microsoft.com/office/powerpoint/2010/main" val="4269850727"/>
+        <p14:creationId xmlns:p14="http://schemas.microsoft.com/office/powerpoint/2010/main" val="3163214532"/>
       </p:ext>
     </p:extLst>
   </p:cSld>
@@ -2397,59 +2379,40 @@
           <a:bodyPr/>
           <a:lstStyle/>
           <a:p>
-            <a:pPr lvl="1"/>
-            <a:r>
-              <a:rPr lang="en-US" dirty="0" smtClean="0"/>
-              <a:t>Discrete values (“Probability Mass Function”) - typically values and weights</a:t>
-            </a:r>
-          </a:p>
-          <a:p>
-            <a:pPr lvl="1"/>
-            <a:r>
-              <a:rPr lang="en-US" dirty="0" smtClean="0"/>
-              <a:t>Continues values (“Probability Density Function”) – typically a function</a:t>
-            </a:r>
-          </a:p>
-          <a:p>
-            <a:pPr marL="457200" marR="0" lvl="1" indent="0" algn="l" defTabSz="457200" rtl="0" eaLnBrk="1" fontAlgn="auto" latinLnBrk="0" hangingPunct="1">
-              <a:lnSpc>
-                <a:spcPct val="100000"/>
-              </a:lnSpc>
-              <a:spcBef>
-                <a:spcPts val="0"/>
-              </a:spcBef>
-              <a:spcAft>
-                <a:spcPts val="0"/>
-              </a:spcAft>
-              <a:buClrTx/>
-              <a:buSzTx/>
-              <a:buFontTx/>
-              <a:buNone/>
-              <a:tabLst/>
-              <a:defRPr/>
-            </a:pPr>
-            <a:r>
-              <a:rPr lang="en-US" dirty="0" smtClean="0"/>
-              <a:t>Affects how we model the variable </a:t>
-            </a:r>
-          </a:p>
-          <a:p>
-            <a:pPr lvl="1"/>
-            <a:r>
-              <a:rPr lang="en-US" dirty="0" smtClean="0"/>
-              <a:t>Insurance</a:t>
-            </a:r>
-            <a:r>
-              <a:rPr lang="en-US" baseline="0" dirty="0" smtClean="0"/>
-              <a:t> claims: Not independent when an epidemic hits the local population (common location affects health)</a:t>
-            </a:r>
-          </a:p>
-          <a:p>
-            <a:pPr lvl="1"/>
-            <a:r>
-              <a:rPr lang="en-US" baseline="0" dirty="0" smtClean="0"/>
-              <a:t>Identical distributions not the same in terms of chance of being sick when one person has higher likelihood of inheriting a disease or is in a socioeconomic class more at risk for disease</a:t>
-            </a:r>
+            <a:r>
+              <a:rPr lang="en-US" dirty="0" smtClean="0"/>
+              <a:t>http://</a:t>
+            </a:r>
+            <a:r>
+              <a:rPr lang="en-US" dirty="0" err="1" smtClean="0"/>
+              <a:t>www.physics.csbsju.edu</a:t>
+            </a:r>
+            <a:r>
+              <a:rPr lang="en-US" dirty="0" smtClean="0"/>
+              <a:t>/stats/KS-</a:t>
+            </a:r>
+            <a:r>
+              <a:rPr lang="en-US" dirty="0" err="1" smtClean="0"/>
+              <a:t>test.html</a:t>
+            </a:r>
+            <a:endParaRPr lang="en-US" dirty="0" smtClean="0"/>
+          </a:p>
+          <a:p>
+            <a:endParaRPr lang="en-US" dirty="0" smtClean="0"/>
+          </a:p>
+          <a:p>
+            <a:r>
+              <a:rPr lang="en-US" dirty="0" smtClean="0"/>
+              <a:t>One of the advantages of the KS-test is that it leads to a graphical presentation of the data, which enables the user to detect normal distributions (see below). </a:t>
+            </a:r>
+          </a:p>
+          <a:p>
+            <a:r>
+              <a:rPr lang="en-US" dirty="0" smtClean="0"/>
+              <a:t>The KS-test is a robust test that cares only about the relative distribution of the data. </a:t>
+            </a:r>
+          </a:p>
+          <a:p>
             <a:endParaRPr lang="en-US" dirty="0" smtClean="0"/>
           </a:p>
         </p:txBody>
@@ -2471,7 +2434,7 @@
           <a:p>
             <a:fld id="{FD66F34B-9C4D-8640-BB34-4C24A79C9FFB}" type="slidenum">
               <a:rPr lang="en-US" smtClean="0"/>
-              <a:t>43</a:t>
+              <a:t>42</a:t>
             </a:fld>
             <a:endParaRPr lang="en-US"/>
           </a:p>
@@ -2480,7 +2443,7 @@
     </p:spTree>
     <p:extLst>
       <p:ext uri="{BB962C8B-B14F-4D97-AF65-F5344CB8AC3E}">
-        <p14:creationId xmlns:p14="http://schemas.microsoft.com/office/powerpoint/2010/main" val="3238829522"/>
+        <p14:creationId xmlns:p14="http://schemas.microsoft.com/office/powerpoint/2010/main" val="4269850727"/>
       </p:ext>
     </p:extLst>
   </p:cSld>
@@ -2534,11 +2497,60 @@
           <a:bodyPr/>
           <a:lstStyle/>
           <a:p>
-            <a:r>
-              <a:rPr lang="en-US" dirty="0" smtClean="0"/>
-              <a:t>XX why do I have this slide twice?</a:t>
-            </a:r>
-            <a:endParaRPr lang="en-US" dirty="0"/>
+            <a:pPr lvl="1"/>
+            <a:r>
+              <a:rPr lang="en-US" dirty="0" smtClean="0"/>
+              <a:t>Discrete values (“Probability Mass Function”) - typically values and weights</a:t>
+            </a:r>
+          </a:p>
+          <a:p>
+            <a:pPr lvl="1"/>
+            <a:r>
+              <a:rPr lang="en-US" dirty="0" smtClean="0"/>
+              <a:t>Continues values (“Probability Density Function”) – typically a function</a:t>
+            </a:r>
+          </a:p>
+          <a:p>
+            <a:pPr marL="457200" marR="0" lvl="1" indent="0" algn="l" defTabSz="457200" rtl="0" eaLnBrk="1" fontAlgn="auto" latinLnBrk="0" hangingPunct="1">
+              <a:lnSpc>
+                <a:spcPct val="100000"/>
+              </a:lnSpc>
+              <a:spcBef>
+                <a:spcPts val="0"/>
+              </a:spcBef>
+              <a:spcAft>
+                <a:spcPts val="0"/>
+              </a:spcAft>
+              <a:buClrTx/>
+              <a:buSzTx/>
+              <a:buFontTx/>
+              <a:buNone/>
+              <a:tabLst/>
+              <a:defRPr/>
+            </a:pPr>
+            <a:r>
+              <a:rPr lang="en-US" dirty="0" smtClean="0"/>
+              <a:t>Affects how we model the variable </a:t>
+            </a:r>
+          </a:p>
+          <a:p>
+            <a:pPr lvl="1"/>
+            <a:r>
+              <a:rPr lang="en-US" dirty="0" smtClean="0"/>
+              <a:t>Insurance</a:t>
+            </a:r>
+            <a:r>
+              <a:rPr lang="en-US" baseline="0" dirty="0" smtClean="0"/>
+              <a:t> claims: Not independent when an epidemic hits the local population (common location affects health)</a:t>
+            </a:r>
+          </a:p>
+          <a:p>
+            <a:pPr lvl="1"/>
+            <a:r>
+              <a:rPr lang="en-US" baseline="0" dirty="0" smtClean="0"/>
+              <a:t>Identical distributions not the same in terms of chance of being sick when one person has higher likelihood of inheriting a disease or is in a socioeconomic class more at risk for disease</a:t>
+            </a:r>
+            <a:endParaRPr lang="en-US" dirty="0" smtClean="0"/>
           </a:p>
         </p:txBody>
       </p:sp>
@@ -2559,7 +2571,7 @@
           <a:p>
             <a:fld id="{FD66F34B-9C4D-8640-BB34-4C24A79C9FFB}" type="slidenum">
               <a:rPr lang="en-US" smtClean="0"/>
-              <a:t>44</a:t>
+              <a:t>43</a:t>
             </a:fld>
             <a:endParaRPr lang="en-US"/>
           </a:p>
@@ -2568,7 +2580,7 @@
     </p:spTree>
     <p:extLst>
       <p:ext uri="{BB962C8B-B14F-4D97-AF65-F5344CB8AC3E}">
-        <p14:creationId xmlns:p14="http://schemas.microsoft.com/office/powerpoint/2010/main" val="3163214532"/>
+        <p14:creationId xmlns:p14="http://schemas.microsoft.com/office/powerpoint/2010/main" val="3238829522"/>
       </p:ext>
     </p:extLst>
   </p:cSld>
@@ -2622,125 +2634,10 @@
           <a:bodyPr/>
           <a:lstStyle/>
           <a:p>
-            <a:pPr marL="0" marR="0" indent="0" algn="l" defTabSz="457200" rtl="0" eaLnBrk="1" fontAlgn="auto" latinLnBrk="0" hangingPunct="1">
-              <a:lnSpc>
-                <a:spcPct val="100000"/>
-              </a:lnSpc>
-              <a:spcBef>
-                <a:spcPts val="0"/>
-              </a:spcBef>
-              <a:spcAft>
-                <a:spcPts val="0"/>
-              </a:spcAft>
-              <a:buClrTx/>
-              <a:buSzTx/>
-              <a:buFontTx/>
-              <a:buNone/>
-              <a:tabLst/>
-              <a:defRPr/>
-            </a:pPr>
-            <a:r>
-              <a:rPr lang="en-US" dirty="0" smtClean="0"/>
-              <a:t>A variable might be modeled as log-normal if it can be thought of as the multiplicative product of many independent random variables each of which is positive. (This is justified by considering the central limit theorem in the log-domain.) For example, in finance, the variable could represent the compound return from a sequence of many trades (each expressed as its return + 1); or a long-term discount factor can be derived from the product of short-term discount factors. In wireless communication, the </a:t>
-            </a:r>
-            <a:r>
-              <a:rPr lang="en-US" dirty="0" err="1" smtClean="0"/>
-              <a:t>sas</a:t>
-            </a:r>
-            <a:r>
-              <a:rPr lang="en-US" dirty="0" smtClean="0"/>
-              <a:t> caused by shadowing or slow fading from random objects is often assumed to be log-normally distributed: see log-distance path loss model.</a:t>
-            </a:r>
-          </a:p>
-          <a:p>
-            <a:pPr marL="0" marR="0" indent="0" algn="l" defTabSz="457200" rtl="0" eaLnBrk="1" fontAlgn="auto" latinLnBrk="0" hangingPunct="1">
-              <a:lnSpc>
-                <a:spcPct val="100000"/>
-              </a:lnSpc>
-              <a:spcBef>
-                <a:spcPts val="0"/>
-              </a:spcBef>
-              <a:spcAft>
-                <a:spcPts val="0"/>
-              </a:spcAft>
-              <a:buClrTx/>
-              <a:buSzTx/>
-              <a:buFontTx/>
-              <a:buNone/>
-              <a:tabLst/>
-              <a:defRPr/>
-            </a:pPr>
-            <a:endParaRPr lang="en-US" dirty="0" smtClean="0"/>
-          </a:p>
-          <a:p>
-            <a:pPr marL="0" marR="0" indent="0" algn="l" defTabSz="457200" rtl="0" eaLnBrk="1" fontAlgn="auto" latinLnBrk="0" hangingPunct="1">
-              <a:lnSpc>
-                <a:spcPct val="100000"/>
-              </a:lnSpc>
-              <a:spcBef>
-                <a:spcPts val="0"/>
-              </a:spcBef>
-              <a:spcAft>
-                <a:spcPts val="0"/>
-              </a:spcAft>
-              <a:buClrTx/>
-              <a:buSzTx/>
-              <a:buFontTx/>
-              <a:buNone/>
-              <a:tabLst/>
-              <a:defRPr/>
-            </a:pPr>
-            <a:endParaRPr lang="en-US" dirty="0" smtClean="0"/>
-          </a:p>
-          <a:p>
-            <a:pPr marL="0" marR="0" indent="0" algn="l" defTabSz="457200" rtl="0" eaLnBrk="1" fontAlgn="auto" latinLnBrk="0" hangingPunct="1">
-              <a:lnSpc>
-                <a:spcPct val="100000"/>
-              </a:lnSpc>
-              <a:spcBef>
-                <a:spcPts val="0"/>
-              </a:spcBef>
-              <a:spcAft>
-                <a:spcPts val="0"/>
-              </a:spcAft>
-              <a:buClrTx/>
-              <a:buSzTx/>
-              <a:buFontTx/>
-              <a:buNone/>
-              <a:tabLst/>
-              <a:defRPr/>
-            </a:pPr>
-            <a:r>
-              <a:rPr lang="en-US" dirty="0" smtClean="0"/>
-              <a:t>What part of </a:t>
-            </a:r>
-            <a:r>
-              <a:rPr lang="en-US" dirty="0" err="1" smtClean="0"/>
-              <a:t>amy’s</a:t>
-            </a:r>
-            <a:r>
-              <a:rPr lang="en-US" dirty="0" smtClean="0"/>
-              <a:t> data might match a log distribution?</a:t>
-            </a:r>
-          </a:p>
-          <a:p>
-            <a:pPr marL="0" marR="0" indent="0" algn="l" defTabSz="457200" rtl="0" eaLnBrk="1" fontAlgn="auto" latinLnBrk="0" hangingPunct="1">
-              <a:lnSpc>
-                <a:spcPct val="100000"/>
-              </a:lnSpc>
-              <a:spcBef>
-                <a:spcPts val="0"/>
-              </a:spcBef>
-              <a:spcAft>
-                <a:spcPts val="0"/>
-              </a:spcAft>
-              <a:buClrTx/>
-              <a:buSzTx/>
-              <a:buFontTx/>
-              <a:buNone/>
-              <a:tabLst/>
-              <a:defRPr/>
-            </a:pPr>
+            <a:r>
+              <a:rPr lang="en-US" dirty="0" smtClean="0"/>
+              <a:t>XX why do I have this slide twice?</a:t>
+            </a:r>
             <a:endParaRPr lang="en-US" dirty="0"/>
           </a:p>
         </p:txBody>
@@ -2762,7 +2659,7 @@
           <a:p>
             <a:fld id="{FD66F34B-9C4D-8640-BB34-4C24A79C9FFB}" type="slidenum">
               <a:rPr lang="en-US" smtClean="0"/>
-              <a:t>45</a:t>
+              <a:t>44</a:t>
             </a:fld>
             <a:endParaRPr lang="en-US"/>
           </a:p>
@@ -2825,23 +2722,6 @@
           <a:bodyPr/>
           <a:lstStyle/>
           <a:p>
-            <a:r>
-              <a:rPr lang="en-US" dirty="0" smtClean="0"/>
-              <a:t>For instance, suppose someone typically gets 4 pieces of mail per day on average. There will be, however, a certain spread: sometimes a little more, sometimes a little fewer, once in a while nothing at all.[2] Given only the average rate, for a certain period of observation (pieces of mail per day, </a:t>
-            </a:r>
-            <a:r>
-              <a:rPr lang="en-US" dirty="0" err="1" smtClean="0"/>
-              <a:t>phonecalls</a:t>
-            </a:r>
-            <a:r>
-              <a:rPr lang="en-US" dirty="0" smtClean="0"/>
-              <a:t> per hour, etc.), and assuming that the process, or mix of processes, that produces the event flow is essentially random, the Poisson distribution specifies how likely it is that the count will be 3, or 5, or 10, or any other number, during one period of observation. That is, it predicts the degree of spread around a known average rate of occurrence.[2]</a:t>
-            </a:r>
-          </a:p>
-          <a:p>
-            <a:endParaRPr lang="en-US" dirty="0" smtClean="0"/>
-          </a:p>
-          <a:p>
             <a:pPr marL="0" marR="0" indent="0" algn="l" defTabSz="457200" rtl="0" eaLnBrk="1" fontAlgn="auto" latinLnBrk="0" hangingPunct="1">
               <a:lnSpc>
                 <a:spcPct val="100000"/>
@@ -2860,20 +2740,107 @@
               <a:defRPr/>
             </a:pPr>
             <a:r>
-              <a:rPr lang="en-US" sz="1200" b="1" kern="1200" smtClean="0">
-                <a:solidFill>
-                  <a:schemeClr val="tx1"/>
-                </a:solidFill>
-                <a:effectLst/>
-                <a:latin typeface="+mn-lt"/>
-                <a:ea typeface="+mn-ea"/>
-                <a:cs typeface="+mn-cs"/>
-              </a:rPr>
-              <a:t>mean equals the variance </a:t>
-            </a:r>
-            <a:endParaRPr lang="en-US" smtClean="0"/>
-          </a:p>
-          <a:p>
+              <a:rPr lang="en-US" dirty="0" smtClean="0"/>
+              <a:t>A variable might be modeled as log-normal if it can be thought of as the multiplicative product of many independent random variables each of which is positive. (This is justified by considering the central limit theorem in the log-domain.) For example, in finance, the variable could represent the compound return from a sequence of many trades (each expressed as its return + 1); or a long-term discount factor can be derived from the product of short-term discount factors. In wireless communication, the </a:t>
+            </a:r>
+            <a:r>
+              <a:rPr lang="en-US" dirty="0" err="1" smtClean="0"/>
+              <a:t>sas</a:t>
+            </a:r>
+            <a:r>
+              <a:rPr lang="en-US" dirty="0" smtClean="0"/>
+              <a:t> caused by shadowing or slow fading from random objects is often assumed to be log-normally distributed: see log-distance path loss model.</a:t>
+            </a:r>
+          </a:p>
+          <a:p>
+            <a:pPr marL="0" marR="0" indent="0" algn="l" defTabSz="457200" rtl="0" eaLnBrk="1" fontAlgn="auto" latinLnBrk="0" hangingPunct="1">
+              <a:lnSpc>
+                <a:spcPct val="100000"/>
+              </a:lnSpc>
+              <a:spcBef>
+                <a:spcPts val="0"/>
+              </a:spcBef>
+              <a:spcAft>
+                <a:spcPts val="0"/>
+              </a:spcAft>
+              <a:buClrTx/>
+              <a:buSzTx/>
+              <a:buFontTx/>
+              <a:buNone/>
+              <a:tabLst/>
+              <a:defRPr/>
+            </a:pPr>
+            <a:endParaRPr lang="en-US" dirty="0" smtClean="0"/>
+          </a:p>
+          <a:p>
+            <a:pPr marL="0" marR="0" indent="0" algn="l" defTabSz="457200" rtl="0" eaLnBrk="1" fontAlgn="auto" latinLnBrk="0" hangingPunct="1">
+              <a:lnSpc>
+                <a:spcPct val="100000"/>
+              </a:lnSpc>
+              <a:spcBef>
+                <a:spcPts val="0"/>
+              </a:spcBef>
+              <a:spcAft>
+                <a:spcPts val="0"/>
+              </a:spcAft>
+              <a:buClrTx/>
+              <a:buSzTx/>
+              <a:buFontTx/>
+              <a:buNone/>
+              <a:tabLst/>
+              <a:defRPr/>
+            </a:pPr>
+            <a:endParaRPr lang="en-US" dirty="0" smtClean="0"/>
+          </a:p>
+          <a:p>
+            <a:pPr marL="0" marR="0" indent="0" algn="l" defTabSz="457200" rtl="0" eaLnBrk="1" fontAlgn="auto" latinLnBrk="0" hangingPunct="1">
+              <a:lnSpc>
+                <a:spcPct val="100000"/>
+              </a:lnSpc>
+              <a:spcBef>
+                <a:spcPts val="0"/>
+              </a:spcBef>
+              <a:spcAft>
+                <a:spcPts val="0"/>
+              </a:spcAft>
+              <a:buClrTx/>
+              <a:buSzTx/>
+              <a:buFontTx/>
+              <a:buNone/>
+              <a:tabLst/>
+              <a:defRPr/>
+            </a:pPr>
+            <a:r>
+              <a:rPr lang="en-US" dirty="0" smtClean="0"/>
+              <a:t>What part of </a:t>
+            </a:r>
+            <a:r>
+              <a:rPr lang="en-US" dirty="0" err="1" smtClean="0"/>
+              <a:t>amy’s</a:t>
+            </a:r>
+            <a:r>
+              <a:rPr lang="en-US" dirty="0" smtClean="0"/>
+              <a:t> data might match a log distribution?</a:t>
+            </a:r>
+          </a:p>
+          <a:p>
+            <a:pPr marL="0" marR="0" indent="0" algn="l" defTabSz="457200" rtl="0" eaLnBrk="1" fontAlgn="auto" latinLnBrk="0" hangingPunct="1">
+              <a:lnSpc>
+                <a:spcPct val="100000"/>
+              </a:lnSpc>
+              <a:spcBef>
+                <a:spcPts val="0"/>
+              </a:spcBef>
+              <a:spcAft>
+                <a:spcPts val="0"/>
+              </a:spcAft>
+              <a:buClrTx/>
+              <a:buSzTx/>
+              <a:buFontTx/>
+              <a:buNone/>
+              <a:tabLst/>
+              <a:defRPr/>
+            </a:pPr>
             <a:endParaRPr lang="en-US" dirty="0"/>
           </a:p>
         </p:txBody>
@@ -2895,7 +2862,7 @@
           <a:p>
             <a:fld id="{FD66F34B-9C4D-8640-BB34-4C24A79C9FFB}" type="slidenum">
               <a:rPr lang="en-US" smtClean="0"/>
-              <a:t>46</a:t>
+              <a:t>45</a:t>
             </a:fld>
             <a:endParaRPr lang="en-US"/>
           </a:p>
@@ -2960,42 +2927,51 @@
           <a:p>
             <a:r>
               <a:rPr lang="en-US" dirty="0" smtClean="0"/>
-              <a:t>Fig. 17. Velocity proﬁles over time using the mouse for (</a:t>
+              <a:t>For instance, suppose someone typically gets 4 pieces of mail per day on average. There will be, however, a certain spread: sometimes a little more, sometimes a little fewer, once in a while nothing at all.[2] Given only the average rate, for a certain period of observation (pieces of mail per day, </a:t>
             </a:r>
             <a:r>
               <a:rPr lang="en-US" dirty="0" err="1" smtClean="0"/>
-              <a:t>a,b</a:t>
-            </a:r>
-            <a:r>
-              <a:rPr lang="en-US" dirty="0" smtClean="0"/>
-              <a:t>) able-bodied participants and (</a:t>
-            </a:r>
-            <a:r>
-              <a:rPr lang="en-US" dirty="0" err="1" smtClean="0"/>
-              <a:t>c,d</a:t>
-            </a:r>
-            <a:r>
-              <a:rPr lang="en-US" dirty="0" smtClean="0"/>
-              <a:t>)</a:t>
+              <a:t>phonecalls</a:t>
+            </a:r>
+            <a:r>
+              <a:rPr lang="en-US" dirty="0" smtClean="0"/>
+              <a:t> per hour, etc.), and assuming that the process, or mix of processes, that produces the event flow is essentially random, the Poisson distribution specifies how likely it is that the count will be 3, or 5, or 10, or any other number, during one period of observation. That is, it predicts the degree of spread around a known average rate of occurrence.[2]</a:t>
             </a:r>
           </a:p>
           <a:p>
             <a:endParaRPr lang="en-US" dirty="0" smtClean="0"/>
           </a:p>
           <a:p>
-            <a:r>
-              <a:rPr lang="en-US" dirty="0" smtClean="0"/>
-              <a:t>motor-impaired participants. The dot represents the click or crossing event. The graphs on the</a:t>
-            </a:r>
-          </a:p>
-          <a:p>
-            <a:endParaRPr lang="en-US" dirty="0" smtClean="0"/>
-          </a:p>
-          <a:p>
-            <a:r>
-              <a:rPr lang="en-US" dirty="0" smtClean="0"/>
-              <a:t>left are for area pointing. The graphs on the right are for goal crossing.</a:t>
-            </a:r>
+            <a:pPr marL="0" marR="0" indent="0" algn="l" defTabSz="457200" rtl="0" eaLnBrk="1" fontAlgn="auto" latinLnBrk="0" hangingPunct="1">
+              <a:lnSpc>
+                <a:spcPct val="100000"/>
+              </a:lnSpc>
+              <a:spcBef>
+                <a:spcPts val="0"/>
+              </a:spcBef>
+              <a:spcAft>
+                <a:spcPts val="0"/>
+              </a:spcAft>
+              <a:buClrTx/>
+              <a:buSzTx/>
+              <a:buFontTx/>
+              <a:buNone/>
+              <a:tabLst/>
+              <a:defRPr/>
+            </a:pPr>
+            <a:r>
+              <a:rPr lang="en-US" sz="1200" b="1" kern="1200" smtClean="0">
+                <a:solidFill>
+                  <a:schemeClr val="tx1"/>
+                </a:solidFill>
+                <a:effectLst/>
+                <a:latin typeface="+mn-lt"/>
+                <a:ea typeface="+mn-ea"/>
+                <a:cs typeface="+mn-cs"/>
+              </a:rPr>
+              <a:t>mean equals the variance </a:t>
+            </a:r>
+            <a:endParaRPr lang="en-US" smtClean="0"/>
           </a:p>
           <a:p>
             <a:endParaRPr lang="en-US" dirty="0"/>
@@ -3019,7 +2995,7 @@
           <a:p>
             <a:fld id="{FD66F34B-9C4D-8640-BB34-4C24A79C9FFB}" type="slidenum">
               <a:rPr lang="en-US" smtClean="0"/>
-              <a:t>47</a:t>
+              <a:t>46</a:t>
             </a:fld>
             <a:endParaRPr lang="en-US"/>
           </a:p>
@@ -3028,7 +3004,7 @@
     </p:spTree>
     <p:extLst>
       <p:ext uri="{BB962C8B-B14F-4D97-AF65-F5344CB8AC3E}">
-        <p14:creationId xmlns:p14="http://schemas.microsoft.com/office/powerpoint/2010/main" val="1460703923"/>
+        <p14:creationId xmlns:p14="http://schemas.microsoft.com/office/powerpoint/2010/main" val="3163214532"/>
       </p:ext>
     </p:extLst>
   </p:cSld>
@@ -3082,31 +3058,44 @@
           <a:bodyPr/>
           <a:lstStyle/>
           <a:p>
-            <a:pPr eaLnBrk="1" hangingPunct="1">
-              <a:spcBef>
-                <a:spcPct val="50000"/>
-              </a:spcBef>
-            </a:pPr>
-            <a:r>
-              <a:rPr lang="en-US" sz="1200" b="0" dirty="0" smtClean="0"/>
-              <a:t>A slope of 2 means that every 1-unit change in X yields a 2-unit change in Y.</a:t>
-            </a:r>
-          </a:p>
-          <a:p>
-            <a:pPr eaLnBrk="1" hangingPunct="1">
-              <a:spcBef>
-                <a:spcPct val="50000"/>
-              </a:spcBef>
-            </a:pPr>
-            <a:endParaRPr lang="en-US" sz="1200" b="0" dirty="0" smtClean="0"/>
-          </a:p>
-          <a:p>
-            <a:pPr eaLnBrk="1" hangingPunct="1">
-              <a:spcBef>
-                <a:spcPct val="50000"/>
-              </a:spcBef>
-            </a:pPr>
-            <a:endParaRPr lang="en-US" sz="1200" b="0" dirty="0" smtClean="0"/>
+            <a:r>
+              <a:rPr lang="en-US" dirty="0" smtClean="0"/>
+              <a:t>Fig. 17. Velocity proﬁles over time using the mouse for (</a:t>
+            </a:r>
+            <a:r>
+              <a:rPr lang="en-US" dirty="0" err="1" smtClean="0"/>
+              <a:t>a,b</a:t>
+            </a:r>
+            <a:r>
+              <a:rPr lang="en-US" dirty="0" smtClean="0"/>
+              <a:t>) able-bodied participants and (</a:t>
+            </a:r>
+            <a:r>
+              <a:rPr lang="en-US" dirty="0" err="1" smtClean="0"/>
+              <a:t>c,d</a:t>
+            </a:r>
+            <a:r>
+              <a:rPr lang="en-US" dirty="0" smtClean="0"/>
+              <a:t>)</a:t>
+            </a:r>
+          </a:p>
+          <a:p>
+            <a:endParaRPr lang="en-US" dirty="0" smtClean="0"/>
+          </a:p>
+          <a:p>
+            <a:r>
+              <a:rPr lang="en-US" dirty="0" smtClean="0"/>
+              <a:t>motor-impaired participants. The dot represents the click or crossing event. The graphs on the</a:t>
+            </a:r>
+          </a:p>
+          <a:p>
+            <a:endParaRPr lang="en-US" dirty="0" smtClean="0"/>
+          </a:p>
+          <a:p>
+            <a:r>
+              <a:rPr lang="en-US" dirty="0" smtClean="0"/>
+              <a:t>left are for area pointing. The graphs on the right are for goal crossing.</a:t>
+            </a:r>
           </a:p>
           <a:p>
             <a:endParaRPr lang="en-US" dirty="0"/>
@@ -3130,7 +3119,7 @@
           <a:p>
             <a:fld id="{FD66F34B-9C4D-8640-BB34-4C24A79C9FFB}" type="slidenum">
               <a:rPr lang="en-US" smtClean="0"/>
-              <a:t>51</a:t>
+              <a:t>47</a:t>
             </a:fld>
             <a:endParaRPr lang="en-US"/>
           </a:p>
@@ -3139,7 +3128,7 @@
     </p:spTree>
     <p:extLst>
       <p:ext uri="{BB962C8B-B14F-4D97-AF65-F5344CB8AC3E}">
-        <p14:creationId xmlns:p14="http://schemas.microsoft.com/office/powerpoint/2010/main" val="1178802635"/>
+        <p14:creationId xmlns:p14="http://schemas.microsoft.com/office/powerpoint/2010/main" val="1460703923"/>
       </p:ext>
     </p:extLst>
   </p:cSld>
@@ -3193,18 +3182,6 @@
           <a:bodyPr/>
           <a:lstStyle/>
           <a:p>
-            <a:r>
-              <a:rPr lang="en-US" dirty="0" smtClean="0"/>
-              <a:t>Interval: Scales that describe values where the interval between the values has meaning.</a:t>
-            </a:r>
-          </a:p>
-          <a:p>
-            <a:r>
-              <a:rPr lang="en-US" dirty="0" smtClean="0"/>
-              <a:t>Ratio: Scales that describe variables where the same difference between values has the same meaning (as in interval) but where a double, tripling, etc. of the values implies a double, tripling, etc. of the measurement. An example of a ratio scale is a bank account balance whose possible values are $5, $10, and $15. The difference between each pair is $5 and $10 is twice as much as $5. Since ratios of values are possible, they are defined as having a natural zero.</a:t>
-            </a:r>
-          </a:p>
-          <a:p>
             <a:endParaRPr lang="en-US" dirty="0"/>
           </a:p>
         </p:txBody>
@@ -3226,7 +3203,7 @@
           <a:p>
             <a:fld id="{FD66F34B-9C4D-8640-BB34-4C24A79C9FFB}" type="slidenum">
               <a:rPr lang="en-US" smtClean="0"/>
-              <a:t>9</a:t>
+              <a:t>8</a:t>
             </a:fld>
             <a:endParaRPr lang="en-US"/>
           </a:p>
@@ -3235,7 +3212,7 @@
     </p:spTree>
     <p:extLst>
       <p:ext uri="{BB962C8B-B14F-4D97-AF65-F5344CB8AC3E}">
-        <p14:creationId xmlns:p14="http://schemas.microsoft.com/office/powerpoint/2010/main" val="2996366159"/>
+        <p14:creationId xmlns:p14="http://schemas.microsoft.com/office/powerpoint/2010/main" val="1632654005"/>
       </p:ext>
     </p:extLst>
   </p:cSld>
@@ -3289,31 +3266,31 @@
           <a:bodyPr/>
           <a:lstStyle/>
           <a:p>
-            <a:pPr marL="0" marR="0" indent="0" algn="l" defTabSz="457200" rtl="0" eaLnBrk="1" fontAlgn="auto" latinLnBrk="0" hangingPunct="1">
-              <a:lnSpc>
-                <a:spcPct val="100000"/>
-              </a:lnSpc>
+            <a:pPr eaLnBrk="1" hangingPunct="1">
               <a:spcBef>
-                <a:spcPts val="0"/>
+                <a:spcPct val="50000"/>
               </a:spcBef>
-              <a:spcAft>
-                <a:spcPts val="0"/>
-              </a:spcAft>
-              <a:buClrTx/>
-              <a:buSzTx/>
-              <a:buFontTx/>
-              <a:buNone/>
-              <a:tabLst/>
-              <a:defRPr/>
             </a:pPr>
             <a:r>
-              <a:rPr lang="en-US" smtClean="0"/>
-              <a:t>relating distributions back </a:t>
-            </a:r>
-            <a:r>
-              <a:rPr lang="en-US" dirty="0" smtClean="0"/>
-              <a:t>to your understanding of the data</a:t>
-            </a:r>
+              <a:rPr lang="en-US" sz="1200" b="0" dirty="0" smtClean="0"/>
+              <a:t>A slope of 2 means that every 1-unit change in X yields a 2-unit change in Y.</a:t>
+            </a:r>
+          </a:p>
+          <a:p>
+            <a:pPr eaLnBrk="1" hangingPunct="1">
+              <a:spcBef>
+                <a:spcPct val="50000"/>
+              </a:spcBef>
+            </a:pPr>
+            <a:endParaRPr lang="en-US" sz="1200" b="0" dirty="0" smtClean="0"/>
+          </a:p>
+          <a:p>
+            <a:pPr eaLnBrk="1" hangingPunct="1">
+              <a:spcBef>
+                <a:spcPct val="50000"/>
+              </a:spcBef>
+            </a:pPr>
+            <a:endParaRPr lang="en-US" sz="1200" b="0" dirty="0" smtClean="0"/>
           </a:p>
           <a:p>
             <a:endParaRPr lang="en-US" dirty="0"/>
@@ -3337,7 +3314,7 @@
           <a:p>
             <a:fld id="{FD66F34B-9C4D-8640-BB34-4C24A79C9FFB}" type="slidenum">
               <a:rPr lang="en-US" smtClean="0"/>
-              <a:t>59</a:t>
+              <a:t>51</a:t>
             </a:fld>
             <a:endParaRPr lang="en-US"/>
           </a:p>
@@ -3346,7 +3323,7 @@
     </p:spTree>
     <p:extLst>
       <p:ext uri="{BB962C8B-B14F-4D97-AF65-F5344CB8AC3E}">
-        <p14:creationId xmlns:p14="http://schemas.microsoft.com/office/powerpoint/2010/main" val="3216192021"/>
+        <p14:creationId xmlns:p14="http://schemas.microsoft.com/office/powerpoint/2010/main" val="1178802635"/>
       </p:ext>
     </p:extLst>
   </p:cSld>
@@ -3448,7 +3425,7 @@
           <a:p>
             <a:fld id="{FD66F34B-9C4D-8640-BB34-4C24A79C9FFB}" type="slidenum">
               <a:rPr lang="en-US" smtClean="0"/>
-              <a:t>60</a:t>
+              <a:t>59</a:t>
             </a:fld>
             <a:endParaRPr lang="en-US"/>
           </a:p>
@@ -3559,6 +3536,117 @@
           <a:p>
             <a:fld id="{FD66F34B-9C4D-8640-BB34-4C24A79C9FFB}" type="slidenum">
               <a:rPr lang="en-US" smtClean="0"/>
+              <a:t>60</a:t>
+            </a:fld>
+            <a:endParaRPr lang="en-US"/>
+          </a:p>
+        </p:txBody>
+      </p:sp>
+    </p:spTree>
+    <p:extLst>
+      <p:ext uri="{BB962C8B-B14F-4D97-AF65-F5344CB8AC3E}">
+        <p14:creationId xmlns:p14="http://schemas.microsoft.com/office/powerpoint/2010/main" val="3216192021"/>
+      </p:ext>
+    </p:extLst>
+  </p:cSld>
+  <p:clrMapOvr>
+    <a:masterClrMapping/>
+  </p:clrMapOvr>
+</p:notes>
+</file>
+
+<file path=ppt/notesSlides/notesSlide33.xml><?xml version="1.0" encoding="utf-8"?>
+<p:notes xmlns:a="http://schemas.openxmlformats.org/drawingml/2006/main" xmlns:r="http://schemas.openxmlformats.org/officeDocument/2006/relationships" xmlns:p="http://schemas.openxmlformats.org/presentationml/2006/main">
+  <p:cSld>
+    <p:spTree>
+      <p:nvGrpSpPr>
+        <p:cNvPr id="1" name=""/>
+        <p:cNvGrpSpPr/>
+        <p:nvPr/>
+      </p:nvGrpSpPr>
+      <p:grpSpPr>
+        <a:xfrm>
+          <a:off x="0" y="0"/>
+          <a:ext cx="0" cy="0"/>
+          <a:chOff x="0" y="0"/>
+          <a:chExt cx="0" cy="0"/>
+        </a:xfrm>
+      </p:grpSpPr>
+      <p:sp>
+        <p:nvSpPr>
+          <p:cNvPr id="2" name="Slide Image Placeholder 1"/>
+          <p:cNvSpPr>
+            <a:spLocks noGrp="1" noRot="1" noChangeAspect="1"/>
+          </p:cNvSpPr>
+          <p:nvPr>
+            <p:ph type="sldImg"/>
+          </p:nvPr>
+        </p:nvSpPr>
+        <p:spPr/>
+      </p:sp>
+      <p:sp>
+        <p:nvSpPr>
+          <p:cNvPr id="3" name="Notes Placeholder 2"/>
+          <p:cNvSpPr>
+            <a:spLocks noGrp="1"/>
+          </p:cNvSpPr>
+          <p:nvPr>
+            <p:ph type="body" idx="1"/>
+          </p:nvPr>
+        </p:nvSpPr>
+        <p:spPr/>
+        <p:txBody>
+          <a:bodyPr/>
+          <a:lstStyle/>
+          <a:p>
+            <a:pPr marL="0" marR="0" indent="0" algn="l" defTabSz="457200" rtl="0" eaLnBrk="1" fontAlgn="auto" latinLnBrk="0" hangingPunct="1">
+              <a:lnSpc>
+                <a:spcPct val="100000"/>
+              </a:lnSpc>
+              <a:spcBef>
+                <a:spcPts val="0"/>
+              </a:spcBef>
+              <a:spcAft>
+                <a:spcPts val="0"/>
+              </a:spcAft>
+              <a:buClrTx/>
+              <a:buSzTx/>
+              <a:buFontTx/>
+              <a:buNone/>
+              <a:tabLst/>
+              <a:defRPr/>
+            </a:pPr>
+            <a:r>
+              <a:rPr lang="en-US" smtClean="0"/>
+              <a:t>relating distributions back </a:t>
+            </a:r>
+            <a:r>
+              <a:rPr lang="en-US" dirty="0" smtClean="0"/>
+              <a:t>to your understanding of the data</a:t>
+            </a:r>
+          </a:p>
+          <a:p>
+            <a:endParaRPr lang="en-US" dirty="0"/>
+          </a:p>
+        </p:txBody>
+      </p:sp>
+      <p:sp>
+        <p:nvSpPr>
+          <p:cNvPr id="4" name="Slide Number Placeholder 3"/>
+          <p:cNvSpPr>
+            <a:spLocks noGrp="1"/>
+          </p:cNvSpPr>
+          <p:nvPr>
+            <p:ph type="sldNum" sz="quarter" idx="10"/>
+          </p:nvPr>
+        </p:nvSpPr>
+        <p:spPr/>
+        <p:txBody>
+          <a:bodyPr/>
+          <a:lstStyle/>
+          <a:p>
+            <a:fld id="{FD66F34B-9C4D-8640-BB34-4C24A79C9FFB}" type="slidenum">
+              <a:rPr lang="en-US" smtClean="0"/>
               <a:t>61</a:t>
             </a:fld>
             <a:endParaRPr lang="en-US"/>
@@ -3624,8 +3712,16 @@
           <a:p>
             <a:r>
               <a:rPr lang="en-US" dirty="0" smtClean="0"/>
-              <a:t>Example scripts to address each of these?</a:t>
-            </a:r>
+              <a:t>Interval: Scales that describe values where the interval between the values has meaning.</a:t>
+            </a:r>
+          </a:p>
+          <a:p>
+            <a:r>
+              <a:rPr lang="en-US" dirty="0" smtClean="0"/>
+              <a:t>Ratio: Scales that describe variables where the same difference between values has the same meaning (as in interval) but where a double, tripling, etc. of the values implies a double, tripling, etc. of the measurement. An example of a ratio scale is a bank account balance whose possible values are $5, $10, and $15. The difference between each pair is $5 and $10 is twice as much as $5. Since ratios of values are possible, they are defined as having a natural zero.</a:t>
+            </a:r>
+          </a:p>
+          <a:p>
             <a:endParaRPr lang="en-US" dirty="0"/>
           </a:p>
         </p:txBody>
@@ -3647,7 +3743,7 @@
           <a:p>
             <a:fld id="{FD66F34B-9C4D-8640-BB34-4C24A79C9FFB}" type="slidenum">
               <a:rPr lang="en-US" smtClean="0"/>
-              <a:t>10</a:t>
+              <a:t>9</a:t>
             </a:fld>
             <a:endParaRPr lang="en-US"/>
           </a:p>
@@ -3656,7 +3752,7 @@
     </p:spTree>
     <p:extLst>
       <p:ext uri="{BB962C8B-B14F-4D97-AF65-F5344CB8AC3E}">
-        <p14:creationId xmlns:p14="http://schemas.microsoft.com/office/powerpoint/2010/main" val="1632654005"/>
+        <p14:creationId xmlns:p14="http://schemas.microsoft.com/office/powerpoint/2010/main" val="2996366159"/>
       </p:ext>
     </p:extLst>
   </p:cSld>
@@ -3710,19 +3806,11 @@
           <a:bodyPr/>
           <a:lstStyle/>
           <a:p>
-            <a:endParaRPr lang="en-US"/>
-          </a:p>
-          <a:p>
-            <a:r>
-              <a:rPr lang="en-US"/>
-              <a:t>----- Meeting Notes (1/29/15 10:06) -----</a:t>
-            </a:r>
-          </a:p>
-          <a:p>
-            <a:r>
-              <a:rPr lang="en-US"/>
-              <a:t>move to where it is relevant to the data analysis process instead of here.</a:t>
-            </a:r>
+            <a:r>
+              <a:rPr lang="en-US" dirty="0" smtClean="0"/>
+              <a:t>Example scripts to address each of these?</a:t>
+            </a:r>
+            <a:endParaRPr lang="en-US" dirty="0"/>
           </a:p>
         </p:txBody>
       </p:sp>
@@ -3743,7 +3831,7 @@
           <a:p>
             <a:fld id="{FD66F34B-9C4D-8640-BB34-4C24A79C9FFB}" type="slidenum">
               <a:rPr lang="en-US" smtClean="0"/>
-              <a:t>14</a:t>
+              <a:t>10</a:t>
             </a:fld>
             <a:endParaRPr lang="en-US"/>
           </a:p>
@@ -3752,7 +3840,7 @@
     </p:spTree>
     <p:extLst>
       <p:ext uri="{BB962C8B-B14F-4D97-AF65-F5344CB8AC3E}">
-        <p14:creationId xmlns:p14="http://schemas.microsoft.com/office/powerpoint/2010/main" val="599156157"/>
+        <p14:creationId xmlns:p14="http://schemas.microsoft.com/office/powerpoint/2010/main" val="1632654005"/>
       </p:ext>
     </p:extLst>
   </p:cSld>
@@ -3806,27 +3894,19 @@
           <a:bodyPr/>
           <a:lstStyle/>
           <a:p>
-            <a:r>
-              <a:rPr lang="en-US" dirty="0" smtClean="0"/>
-              <a:t>Mean = 12.8</a:t>
-            </a:r>
-          </a:p>
-          <a:p>
-            <a:r>
-              <a:rPr lang="en-US" dirty="0" smtClean="0"/>
-              <a:t>Median</a:t>
-            </a:r>
-            <a:r>
-              <a:rPr lang="en-US" baseline="0" dirty="0" smtClean="0"/>
-              <a:t> = 12</a:t>
-            </a:r>
-          </a:p>
-          <a:p>
-            <a:r>
-              <a:rPr lang="en-US" baseline="0" dirty="0" smtClean="0"/>
-              <a:t>Mode = 8</a:t>
-            </a:r>
-            <a:endParaRPr lang="en-US" dirty="0"/>
+            <a:endParaRPr lang="en-US"/>
+          </a:p>
+          <a:p>
+            <a:r>
+              <a:rPr lang="en-US"/>
+              <a:t>----- Meeting Notes (1/29/15 10:06) -----</a:t>
+            </a:r>
+          </a:p>
+          <a:p>
+            <a:r>
+              <a:rPr lang="en-US"/>
+              <a:t>move to where it is relevant to the data analysis process instead of here.</a:t>
+            </a:r>
           </a:p>
         </p:txBody>
       </p:sp>
@@ -3847,7 +3927,7 @@
           <a:p>
             <a:fld id="{FD66F34B-9C4D-8640-BB34-4C24A79C9FFB}" type="slidenum">
               <a:rPr lang="en-US" smtClean="0"/>
-              <a:t>17</a:t>
+              <a:t>14</a:t>
             </a:fld>
             <a:endParaRPr lang="en-US"/>
           </a:p>
@@ -3856,7 +3936,7 @@
     </p:spTree>
     <p:extLst>
       <p:ext uri="{BB962C8B-B14F-4D97-AF65-F5344CB8AC3E}">
-        <p14:creationId xmlns:p14="http://schemas.microsoft.com/office/powerpoint/2010/main" val="3585347995"/>
+        <p14:creationId xmlns:p14="http://schemas.microsoft.com/office/powerpoint/2010/main" val="599156157"/>
       </p:ext>
     </p:extLst>
   </p:cSld>
@@ -3951,7 +4031,7 @@
           <a:p>
             <a:fld id="{FD66F34B-9C4D-8640-BB34-4C24A79C9FFB}" type="slidenum">
               <a:rPr lang="en-US" smtClean="0"/>
-              <a:t>18</a:t>
+              <a:t>17</a:t>
             </a:fld>
             <a:endParaRPr lang="en-US"/>
           </a:p>
@@ -4016,7 +4096,7 @@
           <a:p>
             <a:r>
               <a:rPr lang="en-US" dirty="0" smtClean="0"/>
-              <a:t>Mean = 33</a:t>
+              <a:t>Mean = 12.8</a:t>
             </a:r>
           </a:p>
           <a:p>
@@ -4055,7 +4135,7 @@
           <a:p>
             <a:fld id="{FD66F34B-9C4D-8640-BB34-4C24A79C9FFB}" type="slidenum">
               <a:rPr lang="en-US" smtClean="0"/>
-              <a:t>19</a:t>
+              <a:t>18</a:t>
             </a:fld>
             <a:endParaRPr lang="en-US"/>
           </a:p>
@@ -4120,7 +4200,23 @@
           <a:p>
             <a:r>
               <a:rPr lang="en-US" dirty="0" smtClean="0"/>
-              <a:t>N-1 is for sample; use N for population</a:t>
+              <a:t>Mean = 33</a:t>
+            </a:r>
+          </a:p>
+          <a:p>
+            <a:r>
+              <a:rPr lang="en-US" dirty="0" smtClean="0"/>
+              <a:t>Median</a:t>
+            </a:r>
+            <a:r>
+              <a:rPr lang="en-US" baseline="0" dirty="0" smtClean="0"/>
+              <a:t> = 12</a:t>
+            </a:r>
+          </a:p>
+          <a:p>
+            <a:r>
+              <a:rPr lang="en-US" baseline="0" dirty="0" smtClean="0"/>
+              <a:t>Mode = 8</a:t>
             </a:r>
             <a:endParaRPr lang="en-US" dirty="0"/>
           </a:p>
@@ -4143,7 +4239,7 @@
           <a:p>
             <a:fld id="{FD66F34B-9C4D-8640-BB34-4C24A79C9FFB}" type="slidenum">
               <a:rPr lang="en-US" smtClean="0"/>
-              <a:t>20</a:t>
+              <a:t>19</a:t>
             </a:fld>
             <a:endParaRPr lang="en-US"/>
           </a:p>
@@ -4679,7 +4775,7 @@
             <a:fld id="{FA3C144B-2939-9A49-B014-915EC3E81866}" type="datetime1">
               <a:rPr lang="en-US" smtClean="0"/>
               <a:pPr/>
-              <a:t>2/8/16</a:t>
+              <a:t>2/10/16</a:t>
             </a:fld>
             <a:endParaRPr lang="en-US" dirty="0"/>
           </a:p>
@@ -5108,7 +5204,7 @@
           <a:p>
             <a:fld id="{76838339-A875-5E45-AB3F-AAABD270346A}" type="datetime1">
               <a:rPr lang="en-US" smtClean="0"/>
-              <a:t>2/8/16</a:t>
+              <a:t>2/10/16</a:t>
             </a:fld>
             <a:endParaRPr lang="en-US"/>
           </a:p>
@@ -5394,7 +5490,7 @@
             <a:fld id="{FA3C144B-2939-9A49-B014-915EC3E81866}" type="datetime1">
               <a:rPr lang="en-US" smtClean="0"/>
               <a:pPr/>
-              <a:t>2/8/16</a:t>
+              <a:t>2/10/16</a:t>
             </a:fld>
             <a:endParaRPr lang="en-US" dirty="0"/>
           </a:p>
@@ -5876,7 +5972,7 @@
           <a:p>
             <a:fld id="{A73F672F-A5FB-5745-934A-1BF51CA5539C}" type="datetime1">
               <a:rPr lang="en-US" smtClean="0"/>
-              <a:t>2/8/16</a:t>
+              <a:t>2/10/16</a:t>
             </a:fld>
             <a:endParaRPr lang="en-US"/>
           </a:p>
@@ -6218,7 +6314,7 @@
             <a:fld id="{FA3C144B-2939-9A49-B014-915EC3E81866}" type="datetime1">
               <a:rPr lang="en-US" smtClean="0"/>
               <a:pPr/>
-              <a:t>2/8/16</a:t>
+              <a:t>2/10/16</a:t>
             </a:fld>
             <a:endParaRPr lang="en-US" dirty="0"/>
           </a:p>
@@ -6682,7 +6778,7 @@
           <a:p>
             <a:fld id="{6AFE6A63-5EBE-3E48-B0AE-DF655A1ECE76}" type="datetime1">
               <a:rPr lang="en-US" smtClean="0"/>
-              <a:t>2/8/16</a:t>
+              <a:t>2/10/16</a:t>
             </a:fld>
             <a:endParaRPr lang="en-US"/>
           </a:p>
@@ -7001,7 +7097,7 @@
           <a:p>
             <a:fld id="{4A019F0C-9D18-B54A-9AC9-18AA74EDB034}" type="datetime1">
               <a:rPr lang="en-US" smtClean="0"/>
-              <a:t>2/8/16</a:t>
+              <a:t>2/10/16</a:t>
             </a:fld>
             <a:endParaRPr lang="en-US"/>
           </a:p>
@@ -7311,7 +7407,7 @@
             <a:fld id="{FA3C144B-2939-9A49-B014-915EC3E81866}" type="datetime1">
               <a:rPr lang="en-US" smtClean="0"/>
               <a:pPr/>
-              <a:t>2/8/16</a:t>
+              <a:t>2/10/16</a:t>
             </a:fld>
             <a:endParaRPr lang="en-US" dirty="0"/>
           </a:p>
@@ -7574,7 +7670,7 @@
           <a:p>
             <a:fld id="{FA3C144B-2939-9A49-B014-915EC3E81866}" type="datetime1">
               <a:rPr lang="en-US" smtClean="0"/>
-              <a:t>2/8/16</a:t>
+              <a:t>2/10/16</a:t>
             </a:fld>
             <a:endParaRPr lang="en-US" dirty="0"/>
           </a:p>
@@ -7942,7 +8038,7 @@
           <a:p>
             <a:fld id="{7053BEFA-1175-F644-B249-7D41D72BD3FF}" type="datetime1">
               <a:rPr lang="en-US" smtClean="0"/>
-              <a:t>2/8/16</a:t>
+              <a:t>2/10/16</a:t>
             </a:fld>
             <a:endParaRPr lang="en-US"/>
           </a:p>
@@ -8061,7 +8157,7 @@
             <a:fld id="{FA3C144B-2939-9A49-B014-915EC3E81866}" type="datetime1">
               <a:rPr lang="en-US" smtClean="0"/>
               <a:pPr/>
-              <a:t>2/8/16</a:t>
+              <a:t>2/10/16</a:t>
             </a:fld>
             <a:endParaRPr lang="en-US" dirty="0"/>
           </a:p>
@@ -8278,7 +8374,7 @@
             <a:fld id="{FA3C144B-2939-9A49-B014-915EC3E81866}" type="datetime1">
               <a:rPr lang="en-US" smtClean="0"/>
               <a:pPr/>
-              <a:t>2/8/16</a:t>
+              <a:t>2/10/16</a:t>
             </a:fld>
             <a:endParaRPr lang="en-US" dirty="0"/>
           </a:p>
@@ -8523,7 +8619,7 @@
             <a:fld id="{FA3C144B-2939-9A49-B014-915EC3E81866}" type="datetime1">
               <a:rPr lang="en-US" smtClean="0"/>
               <a:pPr/>
-              <a:t>2/8/16</a:t>
+              <a:t>2/10/16</a:t>
             </a:fld>
             <a:endParaRPr lang="en-US" dirty="0"/>
           </a:p>
@@ -8901,7 +8997,7 @@
           <a:p>
             <a:fld id="{111EEF3B-ABF2-AA4E-9E24-0C6256942674}" type="datetime1">
               <a:rPr lang="en-US" smtClean="0"/>
-              <a:t>2/8/16</a:t>
+              <a:t>2/10/16</a:t>
             </a:fld>
             <a:endParaRPr lang="en-US"/>
           </a:p>
@@ -9065,7 +9161,7 @@
             <a:fld id="{FA3C144B-2939-9A49-B014-915EC3E81866}" type="datetime1">
               <a:rPr lang="en-US" smtClean="0"/>
               <a:pPr/>
-              <a:t>2/8/16</a:t>
+              <a:t>2/10/16</a:t>
             </a:fld>
             <a:endParaRPr lang="en-US" dirty="0"/>
           </a:p>
@@ -9482,7 +9578,7 @@
             <a:fld id="{FA3C144B-2939-9A49-B014-915EC3E81866}" type="datetime1">
               <a:rPr lang="en-US" smtClean="0"/>
               <a:pPr/>
-              <a:t>2/8/16</a:t>
+              <a:t>2/10/16</a:t>
             </a:fld>
             <a:endParaRPr lang="en-US" dirty="0"/>
           </a:p>
@@ -9798,7 +9894,7 @@
             <a:fld id="{FA3C144B-2939-9A49-B014-915EC3E81866}" type="datetime1">
               <a:rPr lang="en-US" smtClean="0"/>
               <a:pPr/>
-              <a:t>2/8/16</a:t>
+              <a:t>2/10/16</a:t>
             </a:fld>
             <a:endParaRPr lang="en-US" dirty="0"/>
           </a:p>
@@ -10464,7 +10560,7 @@
             <a:fld id="{FA3C144B-2939-9A49-B014-915EC3E81866}" type="datetime1">
               <a:rPr lang="en-US" smtClean="0"/>
               <a:pPr/>
-              <a:t>2/8/16</a:t>
+              <a:t>2/10/16</a:t>
             </a:fld>
             <a:endParaRPr lang="en-US" dirty="0"/>
           </a:p>
@@ -11263,7 +11359,7 @@
           <p:nvPr/>
         </p:nvPicPr>
         <p:blipFill>
-          <a:blip r:embed="rId2"/>
+          <a:blip r:embed="rId3"/>
           <a:stretch>
             <a:fillRect/>
           </a:stretch>
@@ -11681,7 +11777,7 @@
           <a:p>
             <a:fld id="{7053BEFA-1175-F644-B249-7D41D72BD3FF}" type="datetime1">
               <a:rPr lang="en-US" smtClean="0"/>
-              <a:t>2/8/16</a:t>
+              <a:t>2/10/16</a:t>
             </a:fld>
             <a:endParaRPr lang="en-US"/>
           </a:p>
@@ -11859,7 +11955,7 @@
           <a:p>
             <a:fld id="{111EEF3B-ABF2-AA4E-9E24-0C6256942674}" type="datetime1">
               <a:rPr lang="en-US" smtClean="0"/>
-              <a:t>2/8/16</a:t>
+              <a:t>2/10/16</a:t>
             </a:fld>
             <a:endParaRPr lang="en-US"/>
           </a:p>
@@ -12049,7 +12145,7 @@
           <a:p>
             <a:fld id="{111EEF3B-ABF2-AA4E-9E24-0C6256942674}" type="datetime1">
               <a:rPr lang="en-US" smtClean="0"/>
-              <a:t>2/8/16</a:t>
+              <a:t>2/10/16</a:t>
             </a:fld>
             <a:endParaRPr lang="en-US"/>
           </a:p>
@@ -12204,7 +12300,7 @@
           <a:p>
             <a:fld id="{7053BEFA-1175-F644-B249-7D41D72BD3FF}" type="datetime1">
               <a:rPr lang="en-US" smtClean="0"/>
-              <a:t>2/8/16</a:t>
+              <a:t>2/10/16</a:t>
             </a:fld>
             <a:endParaRPr lang="en-US"/>
           </a:p>
@@ -12348,7 +12444,7 @@
           <a:p>
             <a:fld id="{7053BEFA-1175-F644-B249-7D41D72BD3FF}" type="datetime1">
               <a:rPr lang="en-US" smtClean="0"/>
-              <a:t>2/8/16</a:t>
+              <a:t>2/10/16</a:t>
             </a:fld>
             <a:endParaRPr lang="en-US"/>
           </a:p>
@@ -12492,7 +12588,7 @@
           <a:p>
             <a:fld id="{7053BEFA-1175-F644-B249-7D41D72BD3FF}" type="datetime1">
               <a:rPr lang="en-US" smtClean="0"/>
-              <a:t>2/8/16</a:t>
+              <a:t>2/10/16</a:t>
             </a:fld>
             <a:endParaRPr lang="en-US"/>
           </a:p>
@@ -12644,7 +12740,7 @@
           <a:p>
             <a:fld id="{111EEF3B-ABF2-AA4E-9E24-0C6256942674}" type="datetime1">
               <a:rPr lang="en-US" smtClean="0"/>
-              <a:t>2/8/16</a:t>
+              <a:t>2/10/16</a:t>
             </a:fld>
             <a:endParaRPr lang="en-US"/>
           </a:p>
@@ -12794,7 +12890,7 @@
           <a:p>
             <a:fld id="{111EEF3B-ABF2-AA4E-9E24-0C6256942674}" type="datetime1">
               <a:rPr lang="en-US" smtClean="0"/>
-              <a:t>2/8/16</a:t>
+              <a:t>2/10/16</a:t>
             </a:fld>
             <a:endParaRPr lang="en-US"/>
           </a:p>
@@ -12981,7 +13077,7 @@
           <a:p>
             <a:fld id="{111EEF3B-ABF2-AA4E-9E24-0C6256942674}" type="datetime1">
               <a:rPr lang="en-US" smtClean="0"/>
-              <a:t>2/8/16</a:t>
+              <a:t>2/10/16</a:t>
             </a:fld>
             <a:endParaRPr lang="en-US"/>
           </a:p>
@@ -13171,7 +13267,7 @@
           <a:p>
             <a:fld id="{111EEF3B-ABF2-AA4E-9E24-0C6256942674}" type="datetime1">
               <a:rPr lang="en-US" smtClean="0"/>
-              <a:t>2/8/16</a:t>
+              <a:t>2/10/16</a:t>
             </a:fld>
             <a:endParaRPr lang="en-US"/>
           </a:p>
@@ -13654,7 +13750,7 @@
           <a:p>
             <a:fld id="{111EEF3B-ABF2-AA4E-9E24-0C6256942674}" type="datetime1">
               <a:rPr lang="en-US" smtClean="0"/>
-              <a:t>2/8/16</a:t>
+              <a:t>2/10/16</a:t>
             </a:fld>
             <a:endParaRPr lang="en-US"/>
           </a:p>
@@ -13871,7 +13967,7 @@
           <a:p>
             <a:fld id="{111EEF3B-ABF2-AA4E-9E24-0C6256942674}" type="datetime1">
               <a:rPr lang="en-US" smtClean="0"/>
-              <a:t>2/8/16</a:t>
+              <a:t>2/10/16</a:t>
             </a:fld>
             <a:endParaRPr lang="en-US"/>
           </a:p>
@@ -14088,7 +14184,7 @@
           <a:p>
             <a:fld id="{111EEF3B-ABF2-AA4E-9E24-0C6256942674}" type="datetime1">
               <a:rPr lang="en-US" smtClean="0"/>
-              <a:t>2/8/16</a:t>
+              <a:t>2/10/16</a:t>
             </a:fld>
             <a:endParaRPr lang="en-US"/>
           </a:p>
@@ -14243,7 +14339,7 @@
           <a:p>
             <a:fld id="{7053BEFA-1175-F644-B249-7D41D72BD3FF}" type="datetime1">
               <a:rPr lang="en-US" smtClean="0"/>
-              <a:t>2/8/16</a:t>
+              <a:t>2/10/16</a:t>
             </a:fld>
             <a:endParaRPr lang="en-US"/>
           </a:p>
@@ -14410,7 +14506,7 @@
           <a:p>
             <a:fld id="{7053BEFA-1175-F644-B249-7D41D72BD3FF}" type="datetime1">
               <a:rPr lang="en-US" smtClean="0"/>
-              <a:t>2/8/16</a:t>
+              <a:t>2/10/16</a:t>
             </a:fld>
             <a:endParaRPr lang="en-US"/>
           </a:p>
@@ -14661,7 +14757,7 @@
           <a:p>
             <a:fld id="{7053BEFA-1175-F644-B249-7D41D72BD3FF}" type="datetime1">
               <a:rPr lang="en-US" smtClean="0"/>
-              <a:t>2/8/16</a:t>
+              <a:t>2/10/16</a:t>
             </a:fld>
             <a:endParaRPr lang="en-US"/>
           </a:p>
@@ -14907,7 +15003,7 @@
           <a:p>
             <a:fld id="{7053BEFA-1175-F644-B249-7D41D72BD3FF}" type="datetime1">
               <a:rPr lang="en-US" smtClean="0"/>
-              <a:t>2/8/16</a:t>
+              <a:t>2/10/16</a:t>
             </a:fld>
             <a:endParaRPr lang="en-US"/>
           </a:p>
@@ -15057,7 +15153,7 @@
           <a:p>
             <a:fld id="{7053BEFA-1175-F644-B249-7D41D72BD3FF}" type="datetime1">
               <a:rPr lang="en-US" smtClean="0"/>
-              <a:t>2/8/16</a:t>
+              <a:t>2/10/16</a:t>
             </a:fld>
             <a:endParaRPr lang="en-US"/>
           </a:p>
@@ -15264,7 +15360,7 @@
           <a:p>
             <a:fld id="{7053BEFA-1175-F644-B249-7D41D72BD3FF}" type="datetime1">
               <a:rPr lang="en-US" smtClean="0"/>
-              <a:t>2/8/16</a:t>
+              <a:t>2/10/16</a:t>
             </a:fld>
             <a:endParaRPr lang="en-US"/>
           </a:p>
@@ -15462,7 +15558,7 @@
           <a:p>
             <a:fld id="{7053BEFA-1175-F644-B249-7D41D72BD3FF}" type="datetime1">
               <a:rPr lang="en-US" smtClean="0"/>
-              <a:t>2/8/16</a:t>
+              <a:t>2/10/16</a:t>
             </a:fld>
             <a:endParaRPr lang="en-US"/>
           </a:p>
@@ -15606,7 +15702,7 @@
           <a:p>
             <a:fld id="{111EEF3B-ABF2-AA4E-9E24-0C6256942674}" type="datetime1">
               <a:rPr lang="en-US" smtClean="0"/>
-              <a:t>2/8/16</a:t>
+              <a:t>2/10/16</a:t>
             </a:fld>
             <a:endParaRPr lang="en-US"/>
           </a:p>
@@ -15785,7 +15881,7 @@
           <a:p>
             <a:fld id="{7053BEFA-1175-F644-B249-7D41D72BD3FF}" type="datetime1">
               <a:rPr lang="en-US" smtClean="0"/>
-              <a:t>2/8/16</a:t>
+              <a:t>2/10/16</a:t>
             </a:fld>
             <a:endParaRPr lang="en-US"/>
           </a:p>
@@ -16303,7 +16399,7 @@
           <a:p>
             <a:fld id="{7053BEFA-1175-F644-B249-7D41D72BD3FF}" type="datetime1">
               <a:rPr lang="en-US" smtClean="0"/>
-              <a:t>2/8/16</a:t>
+              <a:t>2/10/16</a:t>
             </a:fld>
             <a:endParaRPr lang="en-US"/>
           </a:p>
@@ -20337,7 +20433,7 @@
           <a:p>
             <a:fld id="{7053BEFA-1175-F644-B249-7D41D72BD3FF}" type="datetime1">
               <a:rPr lang="en-US" smtClean="0"/>
-              <a:t>2/8/16</a:t>
+              <a:t>2/10/16</a:t>
             </a:fld>
             <a:endParaRPr lang="en-US"/>
           </a:p>
@@ -20492,7 +20588,7 @@
           <a:p>
             <a:fld id="{7053BEFA-1175-F644-B249-7D41D72BD3FF}" type="datetime1">
               <a:rPr lang="en-US" smtClean="0"/>
-              <a:t>2/8/16</a:t>
+              <a:t>2/10/16</a:t>
             </a:fld>
             <a:endParaRPr lang="en-US"/>
           </a:p>
@@ -20617,7 +20713,7 @@
           <a:p>
             <a:fld id="{7053BEFA-1175-F644-B249-7D41D72BD3FF}" type="datetime1">
               <a:rPr lang="en-US" smtClean="0"/>
-              <a:t>2/8/16</a:t>
+              <a:t>2/10/16</a:t>
             </a:fld>
             <a:endParaRPr lang="en-US"/>
           </a:p>
@@ -22398,7 +22494,7 @@
           <a:p>
             <a:fld id="{7053BEFA-1175-F644-B249-7D41D72BD3FF}" type="datetime1">
               <a:rPr lang="en-US" smtClean="0"/>
-              <a:t>2/8/16</a:t>
+              <a:t>2/10/16</a:t>
             </a:fld>
             <a:endParaRPr lang="en-US"/>
           </a:p>
@@ -22563,7 +22659,7 @@
           <a:p>
             <a:fld id="{7053BEFA-1175-F644-B249-7D41D72BD3FF}" type="datetime1">
               <a:rPr lang="en-US" smtClean="0"/>
-              <a:t>2/8/16</a:t>
+              <a:t>2/10/16</a:t>
             </a:fld>
             <a:endParaRPr lang="en-US"/>
           </a:p>
@@ -22733,7 +22829,7 @@
           <a:p>
             <a:fld id="{7053BEFA-1175-F644-B249-7D41D72BD3FF}" type="datetime1">
               <a:rPr lang="en-US" smtClean="0"/>
-              <a:t>2/8/16</a:t>
+              <a:t>2/10/16</a:t>
             </a:fld>
             <a:endParaRPr lang="en-US"/>
           </a:p>
@@ -22925,7 +23021,7 @@
           <a:p>
             <a:fld id="{7053BEFA-1175-F644-B249-7D41D72BD3FF}" type="datetime1">
               <a:rPr lang="en-US" smtClean="0"/>
-              <a:t>2/8/16</a:t>
+              <a:t>2/10/16</a:t>
             </a:fld>
             <a:endParaRPr lang="en-US"/>
           </a:p>
@@ -23212,7 +23308,7 @@
           <a:p>
             <a:fld id="{7053BEFA-1175-F644-B249-7D41D72BD3FF}" type="datetime1">
               <a:rPr lang="en-US" smtClean="0"/>
-              <a:t>2/8/16</a:t>
+              <a:t>2/10/16</a:t>
             </a:fld>
             <a:endParaRPr lang="en-US"/>
           </a:p>
@@ -23599,7 +23695,7 @@
           <a:p>
             <a:fld id="{7053BEFA-1175-F644-B249-7D41D72BD3FF}" type="datetime1">
               <a:rPr lang="en-US" smtClean="0"/>
-              <a:t>2/8/16</a:t>
+              <a:t>2/10/16</a:t>
             </a:fld>
             <a:endParaRPr lang="en-US"/>
           </a:p>
@@ -23775,7 +23871,7 @@
           <a:p>
             <a:fld id="{7053BEFA-1175-F644-B249-7D41D72BD3FF}" type="datetime1">
               <a:rPr lang="en-US" smtClean="0"/>
-              <a:t>2/8/16</a:t>
+              <a:t>2/10/16</a:t>
             </a:fld>
             <a:endParaRPr lang="en-US"/>
           </a:p>
@@ -23965,7 +24061,7 @@
           <a:p>
             <a:fld id="{7053BEFA-1175-F644-B249-7D41D72BD3FF}" type="datetime1">
               <a:rPr lang="en-US" smtClean="0"/>
-              <a:t>2/8/16</a:t>
+              <a:t>2/10/16</a:t>
             </a:fld>
             <a:endParaRPr lang="en-US"/>
           </a:p>
@@ -24190,7 +24286,7 @@
           <a:p>
             <a:fld id="{7053BEFA-1175-F644-B249-7D41D72BD3FF}" type="datetime1">
               <a:rPr lang="en-US" smtClean="0"/>
-              <a:t>2/8/16</a:t>
+              <a:t>2/10/16</a:t>
             </a:fld>
             <a:endParaRPr lang="en-US"/>
           </a:p>
@@ -24416,7 +24512,7 @@
             <a:fld id="{A73F672F-A5FB-5745-934A-1BF51CA5539C}" type="datetime1">
               <a:rPr lang="en-US" smtClean="0"/>
               <a:pPr/>
-              <a:t>2/8/16</a:t>
+              <a:t>2/10/16</a:t>
             </a:fld>
             <a:endParaRPr lang="en-US"/>
           </a:p>
@@ -24542,7 +24638,7 @@
           <a:p>
             <a:fld id="{7053BEFA-1175-F644-B249-7D41D72BD3FF}" type="datetime1">
               <a:rPr lang="en-US" smtClean="0"/>
-              <a:t>2/8/16</a:t>
+              <a:t>2/10/16</a:t>
             </a:fld>
             <a:endParaRPr lang="en-US"/>
           </a:p>
@@ -25100,7 +25196,7 @@
           <a:p>
             <a:fld id="{7053BEFA-1175-F644-B249-7D41D72BD3FF}" type="datetime1">
               <a:rPr lang="en-US" smtClean="0"/>
-              <a:t>2/8/16</a:t>
+              <a:t>2/10/16</a:t>
             </a:fld>
             <a:endParaRPr lang="en-US"/>
           </a:p>
@@ -25605,7 +25701,7 @@
           <a:p>
             <a:fld id="{7053BEFA-1175-F644-B249-7D41D72BD3FF}" type="datetime1">
               <a:rPr lang="en-US" smtClean="0"/>
-              <a:t>2/8/16</a:t>
+              <a:t>2/10/16</a:t>
             </a:fld>
             <a:endParaRPr lang="en-US"/>
           </a:p>
@@ -26116,7 +26212,7 @@
             <a:fld id="{FA3C144B-2939-9A49-B014-915EC3E81866}" type="datetime1">
               <a:rPr lang="en-US" smtClean="0"/>
               <a:pPr/>
-              <a:t>2/8/16</a:t>
+              <a:t>2/10/16</a:t>
             </a:fld>
             <a:endParaRPr lang="en-US" dirty="0"/>
           </a:p>
@@ -26353,7 +26449,7 @@
           <a:p>
             <a:fld id="{7053BEFA-1175-F644-B249-7D41D72BD3FF}" type="datetime1">
               <a:rPr lang="en-US" smtClean="0"/>
-              <a:t>2/8/16</a:t>
+              <a:t>2/10/16</a:t>
             </a:fld>
             <a:endParaRPr lang="en-US"/>
           </a:p>
@@ -26679,7 +26775,7 @@
           <a:p>
             <a:fld id="{7053BEFA-1175-F644-B249-7D41D72BD3FF}" type="datetime1">
               <a:rPr lang="en-US" smtClean="0"/>
-              <a:t>2/8/16</a:t>
+              <a:t>2/10/16</a:t>
             </a:fld>
             <a:endParaRPr lang="en-US"/>
           </a:p>
@@ -40387,7 +40483,7 @@
           <a:p>
             <a:fld id="{7053BEFA-1175-F644-B249-7D41D72BD3FF}" type="datetime1">
               <a:rPr lang="en-US" smtClean="0"/>
-              <a:t>2/8/16</a:t>
+              <a:t>2/10/16</a:t>
             </a:fld>
             <a:endParaRPr lang="en-US"/>
           </a:p>
@@ -40604,7 +40700,7 @@
           <a:p>
             <a:fld id="{7053BEFA-1175-F644-B249-7D41D72BD3FF}" type="datetime1">
               <a:rPr lang="en-US" smtClean="0"/>
-              <a:t>2/8/16</a:t>
+              <a:t>2/10/16</a:t>
             </a:fld>
             <a:endParaRPr lang="en-US"/>
           </a:p>
@@ -40778,7 +40874,7 @@
           <a:p>
             <a:fld id="{7053BEFA-1175-F644-B249-7D41D72BD3FF}" type="datetime1">
               <a:rPr lang="en-US" smtClean="0"/>
-              <a:t>2/8/16</a:t>
+              <a:t>2/10/16</a:t>
             </a:fld>
             <a:endParaRPr lang="en-US"/>
           </a:p>
@@ -40951,7 +41047,7 @@
           <a:p>
             <a:fld id="{7053BEFA-1175-F644-B249-7D41D72BD3FF}" type="datetime1">
               <a:rPr lang="en-US" smtClean="0"/>
-              <a:t>2/8/16</a:t>
+              <a:t>2/10/16</a:t>
             </a:fld>
             <a:endParaRPr lang="en-US"/>
           </a:p>
@@ -41146,7 +41242,7 @@
           <a:p>
             <a:fld id="{7053BEFA-1175-F644-B249-7D41D72BD3FF}" type="datetime1">
               <a:rPr lang="en-US" smtClean="0"/>
-              <a:t>2/8/16</a:t>
+              <a:t>2/10/16</a:t>
             </a:fld>
             <a:endParaRPr lang="en-US"/>
           </a:p>
@@ -41685,7 +41781,7 @@
           <a:p>
             <a:fld id="{7053BEFA-1175-F644-B249-7D41D72BD3FF}" type="datetime1">
               <a:rPr lang="en-US" smtClean="0"/>
-              <a:t>2/8/16</a:t>
+              <a:t>2/10/16</a:t>
             </a:fld>
             <a:endParaRPr lang="en-US"/>
           </a:p>
@@ -41907,7 +42003,7 @@
           <a:p>
             <a:fld id="{7053BEFA-1175-F644-B249-7D41D72BD3FF}" type="datetime1">
               <a:rPr lang="en-US" smtClean="0"/>
-              <a:t>2/8/16</a:t>
+              <a:t>2/10/16</a:t>
             </a:fld>
             <a:endParaRPr lang="en-US"/>
           </a:p>
@@ -42167,7 +42263,7 @@
           <a:p>
             <a:fld id="{7053BEFA-1175-F644-B249-7D41D72BD3FF}" type="datetime1">
               <a:rPr lang="en-US" smtClean="0"/>
-              <a:t>2/8/16</a:t>
+              <a:t>2/10/16</a:t>
             </a:fld>
             <a:endParaRPr lang="en-US"/>
           </a:p>
@@ -42458,7 +42554,7 @@
           <a:p>
             <a:fld id="{7053BEFA-1175-F644-B249-7D41D72BD3FF}" type="datetime1">
               <a:rPr lang="en-US" smtClean="0"/>
-              <a:t>2/8/16</a:t>
+              <a:t>2/10/16</a:t>
             </a:fld>
             <a:endParaRPr lang="en-US"/>
           </a:p>
@@ -42607,7 +42703,7 @@
           <a:p>
             <a:fld id="{7053BEFA-1175-F644-B249-7D41D72BD3FF}" type="datetime1">
               <a:rPr lang="en-US" smtClean="0"/>
-              <a:t>2/8/16</a:t>
+              <a:t>2/10/16</a:t>
             </a:fld>
             <a:endParaRPr lang="en-US"/>
           </a:p>
@@ -42931,7 +43027,7 @@
             <a:fld id="{FA3C144B-2939-9A49-B014-915EC3E81866}" type="datetime1">
               <a:rPr lang="en-US" smtClean="0"/>
               <a:pPr/>
-              <a:t>2/8/16</a:t>
+              <a:t>2/10/16</a:t>
             </a:fld>
             <a:endParaRPr lang="en-US" dirty="0"/>
           </a:p>
